--- a/Bolti költés.pptx
+++ b/Bolti költés.pptx
@@ -6809,35 +6809,22 @@
             <p:ph type="title"/>
           </p:nvPr>
         </p:nvSpPr>
-        <p:spPr/>
-        <p:txBody>
-          <a:bodyPr/>
-          <a:lstStyle/>
-          <a:p>
-            <a:r>
-              <a:rPr lang="hu-HU" dirty="0" smtClean="0"/>
-              <a:t>Összefoglalás</a:t>
-            </a:r>
-            <a:endParaRPr lang="en-US" dirty="0"/>
-          </a:p>
-        </p:txBody>
-      </p:sp>
-      <p:sp>
-        <p:nvSpPr>
-          <p:cNvPr id="3" name="Tartalom helye 2"/>
-          <p:cNvSpPr>
-            <a:spLocks noGrp="1"/>
-          </p:cNvSpPr>
-          <p:nvPr>
-            <p:ph idx="1"/>
-          </p:nvPr>
-        </p:nvSpPr>
-        <p:spPr/>
-        <p:txBody>
-          <a:bodyPr/>
-          <a:lstStyle/>
-          <a:p>
-            <a:endParaRPr lang="en-US"/>
+        <p:spPr>
+          <a:xfrm>
+            <a:off x="654819" y="2830286"/>
+            <a:ext cx="10631489" cy="1236618"/>
+          </a:xfrm>
+        </p:spPr>
+        <p:txBody>
+          <a:bodyPr/>
+          <a:lstStyle/>
+          <a:p>
+            <a:pPr algn="ctr"/>
+            <a:r>
+              <a:rPr lang="hu-HU" sz="6600" dirty="0" smtClean="0"/>
+              <a:t>Köszönjük a figyelmet!</a:t>
+            </a:r>
+            <a:endParaRPr lang="en-US" sz="6600" dirty="0"/>
           </a:p>
         </p:txBody>
       </p:sp>

--- a/Bolti költés.pptx
+++ b/Bolti költés.pptx
@@ -7861,8 +7861,10 @@
       </p:sp>
       <p:pic>
         <p:nvPicPr>
-          <p:cNvPr id="4" name="Kép 3"/>
-          <p:cNvPicPr/>
+          <p:cNvPr id="5" name="Kép 4"/>
+          <p:cNvPicPr>
+            <a:picLocks noChangeAspect="1"/>
+          </p:cNvPicPr>
           <p:nvPr/>
         </p:nvPicPr>
         <p:blipFill>
@@ -7879,14 +7881,44 @@
         </p:blipFill>
         <p:spPr>
           <a:xfrm>
-            <a:off x="2984952" y="2825811"/>
-            <a:ext cx="6175090" cy="3590174"/>
+            <a:off x="2659210" y="3142597"/>
+            <a:ext cx="6444343" cy="2950422"/>
           </a:xfrm>
           <a:prstGeom prst="rect">
             <a:avLst/>
           </a:prstGeom>
         </p:spPr>
       </p:pic>
+      <p:sp>
+        <p:nvSpPr>
+          <p:cNvPr id="6" name="Szövegdoboz 5"/>
+          <p:cNvSpPr txBox="1"/>
+          <p:nvPr/>
+        </p:nvSpPr>
+        <p:spPr>
+          <a:xfrm>
+            <a:off x="5393907" y="4955177"/>
+            <a:ext cx="974947" cy="261610"/>
+          </a:xfrm>
+          <a:prstGeom prst="rect">
+            <a:avLst/>
+          </a:prstGeom>
+          <a:noFill/>
+        </p:spPr>
+        <p:txBody>
+          <a:bodyPr wrap="none" rtlCol="0">
+            <a:spAutoFit/>
+          </a:bodyPr>
+          <a:lstStyle/>
+          <a:p>
+            <a:r>
+              <a:rPr lang="hu-HU" sz="1100" dirty="0" smtClean="0"/>
+              <a:t>Felhasználó</a:t>
+            </a:r>
+            <a:endParaRPr lang="en-US" sz="1100" dirty="0"/>
+          </a:p>
+        </p:txBody>
+      </p:sp>
     </p:spTree>
     <p:extLst>
       <p:ext uri="{BB962C8B-B14F-4D97-AF65-F5344CB8AC3E}">

--- a/Bolti költés.pptx
+++ b/Bolti költés.pptx
@@ -6251,7 +6251,15 @@
             <a:pPr lvl="1"/>
             <a:r>
               <a:rPr lang="hu-HU" dirty="0" smtClean="0"/>
-              <a:t>A törlés arra szolgál, ha már nincs szükségünk egy bizonyos listára akkor az törölni tudjuk a listából.</a:t>
+              <a:t>A törlés arra szolgál, ha már nincs szükségünk egy bizonyos listára akkor az törölni tudjuk a </a:t>
+            </a:r>
+            <a:r>
+              <a:rPr lang="hu-HU" dirty="0" smtClean="0"/>
+              <a:t>listákból</a:t>
+            </a:r>
+            <a:r>
+              <a:rPr lang="hu-HU" dirty="0" smtClean="0"/>
+              <a:t>.</a:t>
             </a:r>
           </a:p>
         </p:txBody>
@@ -7687,7 +7695,12 @@
             <p:ph idx="1"/>
           </p:nvPr>
         </p:nvSpPr>
-        <p:spPr/>
+        <p:spPr>
+          <a:xfrm>
+            <a:off x="1103312" y="2052918"/>
+            <a:ext cx="8946541" cy="4195481"/>
+          </a:xfrm>
+        </p:spPr>
         <p:txBody>
           <a:bodyPr>
             <a:normAutofit lnSpcReduction="10000"/>
@@ -7737,7 +7750,15 @@
             <a:pPr lvl="1"/>
             <a:r>
               <a:rPr lang="hu-HU" dirty="0" smtClean="0"/>
-              <a:t>Ha egy terméket meg vásároltunk arra rá kattintva kihúzásra kerül és innen tudhatjuk, hogy mér a kosarunkban van.</a:t>
+              <a:t>Ha egy terméket meg vásároltunk arra rá kattintva kihúzásra kerül és innen tudhatjuk, hogy </a:t>
+            </a:r>
+            <a:r>
+              <a:rPr lang="hu-HU" dirty="0" smtClean="0"/>
+              <a:t>már </a:t>
+            </a:r>
+            <a:r>
+              <a:rPr lang="hu-HU" dirty="0" smtClean="0"/>
+              <a:t>a kosarunkban van.</a:t>
             </a:r>
             <a:endParaRPr lang="en-US" dirty="0"/>
           </a:p>

--- a/Bolti költés.pptx
+++ b/Bolti költés.pptx
@@ -312,7 +312,7 @@
           <a:p>
             <a:fld id="{4AAD347D-5ACD-4C99-B74B-A9C85AD731AF}" type="datetimeFigureOut">
               <a:rPr lang="en-US" dirty="0"/>
-              <a:t>4/1/2020</a:t>
+              <a:t>4/2/2020</a:t>
             </a:fld>
             <a:endParaRPr lang="en-US" dirty="0"/>
           </a:p>
@@ -582,7 +582,7 @@
           <a:p>
             <a:fld id="{4509A250-FF31-4206-8172-F9D3106AACB1}" type="datetimeFigureOut">
               <a:rPr lang="en-US" dirty="0"/>
-              <a:t>4/1/2020</a:t>
+              <a:t>4/2/2020</a:t>
             </a:fld>
             <a:endParaRPr lang="en-US" dirty="0"/>
           </a:p>
@@ -771,7 +771,7 @@
           <a:p>
             <a:fld id="{4509A250-FF31-4206-8172-F9D3106AACB1}" type="datetimeFigureOut">
               <a:rPr lang="en-US" dirty="0"/>
-              <a:t>4/1/2020</a:t>
+              <a:t>4/2/2020</a:t>
             </a:fld>
             <a:endParaRPr lang="en-US" dirty="0"/>
           </a:p>
@@ -1039,7 +1039,7 @@
           <a:p>
             <a:fld id="{4509A250-FF31-4206-8172-F9D3106AACB1}" type="datetimeFigureOut">
               <a:rPr lang="en-US" dirty="0"/>
-              <a:t>4/1/2020</a:t>
+              <a:t>4/2/2020</a:t>
             </a:fld>
             <a:endParaRPr lang="en-US" dirty="0"/>
           </a:p>
@@ -1375,7 +1375,7 @@
           <a:p>
             <a:fld id="{4509A250-FF31-4206-8172-F9D3106AACB1}" type="datetimeFigureOut">
               <a:rPr lang="en-US" dirty="0"/>
-              <a:t>4/1/2020</a:t>
+              <a:t>4/2/2020</a:t>
             </a:fld>
             <a:endParaRPr lang="en-US" dirty="0"/>
           </a:p>
@@ -1993,7 +1993,7 @@
           <a:p>
             <a:fld id="{4509A250-FF31-4206-8172-F9D3106AACB1}" type="datetimeFigureOut">
               <a:rPr lang="en-US" dirty="0"/>
-              <a:t>4/1/2020</a:t>
+              <a:t>4/2/2020</a:t>
             </a:fld>
             <a:endParaRPr lang="en-US" dirty="0"/>
           </a:p>
@@ -2848,7 +2848,7 @@
           <a:p>
             <a:fld id="{4509A250-FF31-4206-8172-F9D3106AACB1}" type="datetimeFigureOut">
               <a:rPr lang="en-US" dirty="0"/>
-              <a:t>4/1/2020</a:t>
+              <a:t>4/2/2020</a:t>
             </a:fld>
             <a:endParaRPr lang="en-US" dirty="0"/>
           </a:p>
@@ -3013,7 +3013,7 @@
           <a:p>
             <a:fld id="{4509A250-FF31-4206-8172-F9D3106AACB1}" type="datetimeFigureOut">
               <a:rPr lang="en-US" dirty="0"/>
-              <a:t>4/1/2020</a:t>
+              <a:t>4/2/2020</a:t>
             </a:fld>
             <a:endParaRPr lang="en-US" dirty="0"/>
           </a:p>
@@ -3188,7 +3188,7 @@
           <a:p>
             <a:fld id="{4509A250-FF31-4206-8172-F9D3106AACB1}" type="datetimeFigureOut">
               <a:rPr lang="en-US" dirty="0"/>
-              <a:t>4/1/2020</a:t>
+              <a:t>4/2/2020</a:t>
             </a:fld>
             <a:endParaRPr lang="en-US" dirty="0"/>
           </a:p>
@@ -3353,7 +3353,7 @@
           <a:p>
             <a:fld id="{4509A250-FF31-4206-8172-F9D3106AACB1}" type="datetimeFigureOut">
               <a:rPr lang="en-US" dirty="0"/>
-              <a:t>4/1/2020</a:t>
+              <a:t>4/2/2020</a:t>
             </a:fld>
             <a:endParaRPr lang="en-US" dirty="0"/>
           </a:p>
@@ -3595,7 +3595,7 @@
           <a:p>
             <a:fld id="{9796027F-7875-4030-9381-8BD8C4F21935}" type="datetimeFigureOut">
               <a:rPr lang="en-US" dirty="0"/>
-              <a:t>4/1/2020</a:t>
+              <a:t>4/2/2020</a:t>
             </a:fld>
             <a:endParaRPr lang="en-US" dirty="0"/>
           </a:p>
@@ -3882,7 +3882,7 @@
           <a:p>
             <a:fld id="{9796027F-7875-4030-9381-8BD8C4F21935}" type="datetimeFigureOut">
               <a:rPr lang="en-US" dirty="0"/>
-              <a:t>4/1/2020</a:t>
+              <a:t>4/2/2020</a:t>
             </a:fld>
             <a:endParaRPr lang="en-US" dirty="0"/>
           </a:p>
@@ -4321,7 +4321,7 @@
           <a:p>
             <a:fld id="{9796027F-7875-4030-9381-8BD8C4F21935}" type="datetimeFigureOut">
               <a:rPr lang="en-US" dirty="0"/>
-              <a:t>4/1/2020</a:t>
+              <a:t>4/2/2020</a:t>
             </a:fld>
             <a:endParaRPr lang="en-US" dirty="0"/>
           </a:p>
@@ -4434,7 +4434,7 @@
           <a:p>
             <a:fld id="{4509A250-FF31-4206-8172-F9D3106AACB1}" type="datetimeFigureOut">
               <a:rPr lang="en-US" dirty="0"/>
-              <a:t>4/1/2020</a:t>
+              <a:t>4/2/2020</a:t>
             </a:fld>
             <a:endParaRPr lang="en-US" dirty="0"/>
           </a:p>
@@ -4524,7 +4524,7 @@
           <a:p>
             <a:fld id="{4509A250-FF31-4206-8172-F9D3106AACB1}" type="datetimeFigureOut">
               <a:rPr lang="en-US" dirty="0"/>
-              <a:t>4/1/2020</a:t>
+              <a:t>4/2/2020</a:t>
             </a:fld>
             <a:endParaRPr lang="en-US" dirty="0"/>
           </a:p>
@@ -4798,7 +4798,7 @@
           <a:p>
             <a:fld id="{4509A250-FF31-4206-8172-F9D3106AACB1}" type="datetimeFigureOut">
               <a:rPr lang="en-US" dirty="0"/>
-              <a:t>4/1/2020</a:t>
+              <a:t>4/2/2020</a:t>
             </a:fld>
             <a:endParaRPr lang="en-US" dirty="0"/>
           </a:p>
@@ -5068,7 +5068,7 @@
           <a:p>
             <a:fld id="{4509A250-FF31-4206-8172-F9D3106AACB1}" type="datetimeFigureOut">
               <a:rPr lang="en-US" dirty="0"/>
-              <a:t>4/1/2020</a:t>
+              <a:t>4/2/2020</a:t>
             </a:fld>
             <a:endParaRPr lang="en-US" dirty="0"/>
           </a:p>
@@ -5492,7 +5492,7 @@
           <a:p>
             <a:fld id="{4AAD347D-5ACD-4C99-B74B-A9C85AD731AF}" type="datetimeFigureOut">
               <a:rPr lang="en-US" dirty="0"/>
-              <a:t>4/1/2020</a:t>
+              <a:t>4/2/2020</a:t>
             </a:fld>
             <a:endParaRPr lang="en-US" dirty="0"/>
           </a:p>
@@ -6251,15 +6251,7 @@
             <a:pPr lvl="1"/>
             <a:r>
               <a:rPr lang="hu-HU" dirty="0" smtClean="0"/>
-              <a:t>A törlés arra szolgál, ha már nincs szükségünk egy bizonyos listára akkor az törölni tudjuk a </a:t>
-            </a:r>
-            <a:r>
-              <a:rPr lang="hu-HU" dirty="0" smtClean="0"/>
-              <a:t>listákból</a:t>
-            </a:r>
-            <a:r>
-              <a:rPr lang="hu-HU" dirty="0" smtClean="0"/>
-              <a:t>.</a:t>
+              <a:t>A törlés arra szolgál, ha már nincs szükségünk egy bizonyos listára akkor az törölni tudjuk a listákból.</a:t>
             </a:r>
           </a:p>
         </p:txBody>
@@ -6371,7 +6363,15 @@
             <a:pPr lvl="1"/>
             <a:r>
               <a:rPr lang="hu-HU" dirty="0" smtClean="0"/>
-              <a:t>Termék törlésére akkor lehet szükségünk, ha egy termék árusítását abba hagyják és többé nincs szükségünk rá, hogy az adatbázisban szerepeljen.</a:t>
+              <a:t>Termék törlésére akkor lehet szükségünk, ha egy </a:t>
+            </a:r>
+            <a:r>
+              <a:rPr lang="hu-HU" dirty="0" smtClean="0"/>
+              <a:t>terméke kivonnak a forgalomból </a:t>
+            </a:r>
+            <a:r>
+              <a:rPr lang="hu-HU" dirty="0" smtClean="0"/>
+              <a:t>és többé nincs szükségünk rá, hogy az adatbázisban szerepeljen.</a:t>
             </a:r>
             <a:endParaRPr lang="en-US" dirty="0"/>
           </a:p>
@@ -6583,14 +6583,19 @@
             <p:ph type="title"/>
           </p:nvPr>
         </p:nvSpPr>
-        <p:spPr/>
+        <p:spPr>
+          <a:xfrm>
+            <a:off x="646111" y="452718"/>
+            <a:ext cx="9404723" cy="844859"/>
+          </a:xfrm>
+        </p:spPr>
         <p:txBody>
           <a:bodyPr/>
           <a:lstStyle/>
           <a:p>
             <a:r>
               <a:rPr lang="hu-HU" dirty="0" smtClean="0"/>
-              <a:t>Néhány eddig elkészített funkció képernyő képe</a:t>
+              <a:t>Képernyőkép tervek</a:t>
             </a:r>
             <a:endParaRPr lang="en-US" dirty="0"/>
           </a:p>
@@ -6598,13 +6603,9 @@
       </p:sp>
       <p:pic>
         <p:nvPicPr>
-          <p:cNvPr id="4" name="Tartalom helye 3"/>
-          <p:cNvPicPr>
-            <a:picLocks noGrp="1" noChangeAspect="1"/>
-          </p:cNvPicPr>
-          <p:nvPr>
-            <p:ph idx="1"/>
-          </p:nvPr>
+          <p:cNvPr id="6" name="Kép 5"/>
+          <p:cNvPicPr/>
+          <p:nvPr/>
         </p:nvPicPr>
         <p:blipFill>
           <a:blip r:embed="rId2">
@@ -6620,17 +6621,18 @@
         </p:blipFill>
         <p:spPr>
           <a:xfrm>
-            <a:off x="3365018" y="1853247"/>
-            <a:ext cx="2201593" cy="4531895"/>
+            <a:off x="646111" y="1297577"/>
+            <a:ext cx="2164080" cy="3959860"/>
           </a:xfrm>
+          <a:prstGeom prst="rect">
+            <a:avLst/>
+          </a:prstGeom>
         </p:spPr>
       </p:pic>
       <p:pic>
         <p:nvPicPr>
-          <p:cNvPr id="5" name="Kép 4"/>
-          <p:cNvPicPr>
-            <a:picLocks noChangeAspect="1"/>
-          </p:cNvPicPr>
+          <p:cNvPr id="7" name="Kép 6"/>
+          <p:cNvPicPr/>
           <p:nvPr/>
         </p:nvPicPr>
         <p:blipFill>
@@ -6647,8 +6649,64 @@
         </p:blipFill>
         <p:spPr>
           <a:xfrm>
-            <a:off x="779365" y="1853248"/>
-            <a:ext cx="2161261" cy="4531895"/>
+            <a:off x="3073036" y="1297577"/>
+            <a:ext cx="2179320" cy="3959860"/>
+          </a:xfrm>
+          <a:prstGeom prst="rect">
+            <a:avLst/>
+          </a:prstGeom>
+        </p:spPr>
+      </p:pic>
+      <p:pic>
+        <p:nvPicPr>
+          <p:cNvPr id="8" name="Kép 7"/>
+          <p:cNvPicPr/>
+          <p:nvPr/>
+        </p:nvPicPr>
+        <p:blipFill>
+          <a:blip r:embed="rId4">
+            <a:extLst>
+              <a:ext uri="{28A0092B-C50C-407E-A947-70E740481C1C}">
+                <a14:useLocalDpi xmlns:a14="http://schemas.microsoft.com/office/drawing/2010/main" val="0"/>
+              </a:ext>
+            </a:extLst>
+          </a:blip>
+          <a:stretch>
+            <a:fillRect/>
+          </a:stretch>
+        </p:blipFill>
+        <p:spPr>
+          <a:xfrm>
+            <a:off x="5472275" y="1297577"/>
+            <a:ext cx="2179320" cy="3959860"/>
+          </a:xfrm>
+          <a:prstGeom prst="rect">
+            <a:avLst/>
+          </a:prstGeom>
+        </p:spPr>
+      </p:pic>
+      <p:pic>
+        <p:nvPicPr>
+          <p:cNvPr id="9" name="Kép 8"/>
+          <p:cNvPicPr/>
+          <p:nvPr/>
+        </p:nvPicPr>
+        <p:blipFill>
+          <a:blip r:embed="rId5">
+            <a:extLst>
+              <a:ext uri="{28A0092B-C50C-407E-A947-70E740481C1C}">
+                <a14:useLocalDpi xmlns:a14="http://schemas.microsoft.com/office/drawing/2010/main" val="0"/>
+              </a:ext>
+            </a:extLst>
+          </a:blip>
+          <a:stretch>
+            <a:fillRect/>
+          </a:stretch>
+        </p:blipFill>
+        <p:spPr>
+          <a:xfrm>
+            <a:off x="7871514" y="1297577"/>
+            <a:ext cx="2211070" cy="3959860"/>
           </a:xfrm>
           <a:prstGeom prst="rect">
             <a:avLst/>
@@ -6769,7 +6827,7 @@
         </p:blipFill>
         <p:spPr>
           <a:xfrm>
-            <a:off x="5221938" y="1358020"/>
+            <a:off x="5221938" y="1418980"/>
             <a:ext cx="6713389" cy="5350204"/>
           </a:xfrm>
           <a:prstGeom prst="rect">
@@ -6919,19 +6977,21 @@
           <a:p>
             <a:r>
               <a:rPr lang="hu-HU" sz="2400" dirty="0" smtClean="0"/>
-              <a:t>Feladat leírása</a:t>
-            </a:r>
-          </a:p>
-          <a:p>
+              <a:t>Feladat </a:t>
+            </a:r>
             <a:r>
               <a:rPr lang="hu-HU" sz="2400" dirty="0" smtClean="0"/>
-              <a:t>Forrásgyűjtés</a:t>
+              <a:t>leírása</a:t>
             </a:r>
           </a:p>
           <a:p>
             <a:r>
               <a:rPr lang="hu-HU" sz="2400" dirty="0" smtClean="0"/>
-              <a:t>Hasonló applikációk bemutatása</a:t>
+              <a:t>Hasonló </a:t>
+            </a:r>
+            <a:r>
+              <a:rPr lang="hu-HU" sz="2400" dirty="0" smtClean="0"/>
+              <a:t>applikációk bemutatása</a:t>
             </a:r>
           </a:p>
           <a:p>
@@ -7750,15 +7810,7 @@
             <a:pPr lvl="1"/>
             <a:r>
               <a:rPr lang="hu-HU" dirty="0" smtClean="0"/>
-              <a:t>Ha egy terméket meg vásároltunk arra rá kattintva kihúzásra kerül és innen tudhatjuk, hogy </a:t>
-            </a:r>
-            <a:r>
-              <a:rPr lang="hu-HU" dirty="0" smtClean="0"/>
-              <a:t>már </a:t>
-            </a:r>
-            <a:r>
-              <a:rPr lang="hu-HU" dirty="0" smtClean="0"/>
-              <a:t>a kosarunkban van.</a:t>
+              <a:t>Ha egy terméket meg vásároltunk arra rá kattintva kihúzásra kerül és innen tudhatjuk, hogy már a kosarunkban van.</a:t>
             </a:r>
             <a:endParaRPr lang="en-US" dirty="0"/>
           </a:p>

--- a/Bolti költés.pptx
+++ b/Bolti költés.pptx
@@ -6199,60 +6199,111 @@
         <p:spPr/>
         <p:txBody>
           <a:bodyPr>
-            <a:normAutofit fontScale="92500" lnSpcReduction="10000"/>
+            <a:normAutofit/>
           </a:bodyPr>
           <a:lstStyle/>
           <a:p>
             <a:r>
               <a:rPr lang="hu-HU" dirty="0" smtClean="0"/>
-              <a:t>Létrehozás:</a:t>
-            </a:r>
+              <a:t>Új termék hozzáadása</a:t>
+            </a:r>
+            <a:r>
+              <a:rPr lang="hu-HU" dirty="0" smtClean="0"/>
+              <a:t>:</a:t>
+            </a:r>
+            <a:endParaRPr lang="hu-HU" dirty="0" smtClean="0"/>
           </a:p>
           <a:p>
             <a:pPr lvl="1"/>
             <a:r>
               <a:rPr lang="hu-HU" dirty="0" smtClean="0"/>
-              <a:t>Egyik fő funkció ként említhetjük meg a lista létrehozását. Erre a listák nézetben van lehetőségünk az Új lista gomb lenyomásával. Itt meg adhatunk neki egy nevet és a lista létrejön.</a:t>
-            </a:r>
-          </a:p>
-          <a:p>
-            <a:r>
-              <a:rPr lang="hu-HU" dirty="0" smtClean="0"/>
-              <a:t>Lista módosítás:</a:t>
-            </a:r>
+              <a:t>Egyik fő funkció ként említhetjük meg a </a:t>
+            </a:r>
+            <a:r>
+              <a:rPr lang="hu-HU" dirty="0" smtClean="0"/>
+              <a:t>listához való új termék hozzáadását. </a:t>
+            </a:r>
+            <a:r>
+              <a:rPr lang="hu-HU" dirty="0" smtClean="0"/>
+              <a:t>Erre a </a:t>
+            </a:r>
+            <a:r>
+              <a:rPr lang="hu-HU" dirty="0" smtClean="0"/>
+              <a:t>lista </a:t>
+            </a:r>
+            <a:r>
+              <a:rPr lang="hu-HU" dirty="0" smtClean="0"/>
+              <a:t>nézetben van lehetőségünk az Új </a:t>
+            </a:r>
+            <a:r>
+              <a:rPr lang="hu-HU" dirty="0" smtClean="0"/>
+              <a:t>termék gomb </a:t>
+            </a:r>
+            <a:r>
+              <a:rPr lang="hu-HU" dirty="0" smtClean="0"/>
+              <a:t>lenyomásával. Itt </a:t>
+            </a:r>
+            <a:r>
+              <a:rPr lang="hu-HU" dirty="0" smtClean="0"/>
+              <a:t>meg jeleníthetjük az adatbázisban szereplő termékeket. Ebbő</a:t>
+            </a:r>
+            <a:r>
+              <a:rPr lang="hu-HU" dirty="0" smtClean="0"/>
+              <a:t>l kiválaszthatjuk a vonalkódot és megadhatjuk a mennyiséget, és ezt felvihetjük a listába.</a:t>
+            </a:r>
+            <a:endParaRPr lang="hu-HU" dirty="0" smtClean="0"/>
+          </a:p>
+          <a:p>
+            <a:r>
+              <a:rPr lang="hu-HU" dirty="0"/>
+              <a:t>M</a:t>
+            </a:r>
+            <a:r>
+              <a:rPr lang="hu-HU" dirty="0" smtClean="0"/>
+              <a:t>ódosítási</a:t>
+            </a:r>
+            <a:r>
+              <a:rPr lang="hu-HU" dirty="0"/>
+              <a:t>:</a:t>
+            </a:r>
+            <a:endParaRPr lang="hu-HU" dirty="0" smtClean="0"/>
           </a:p>
           <a:p>
             <a:pPr lvl="1"/>
             <a:r>
               <a:rPr lang="hu-HU" dirty="0" smtClean="0"/>
-              <a:t>A módosítás során van lehetőségünk a listába felvinni újabb termékeket vagy pedig éppen törölni a listából.</a:t>
-            </a:r>
-          </a:p>
-          <a:p>
-            <a:r>
-              <a:rPr lang="hu-HU" dirty="0" smtClean="0"/>
-              <a:t>Mennyiség módosítása:</a:t>
+              <a:t>A </a:t>
+            </a:r>
+            <a:r>
+              <a:rPr lang="hu-HU" dirty="0" smtClean="0"/>
+              <a:t>termék listában lévő darab számának </a:t>
+            </a:r>
+            <a:r>
+              <a:rPr lang="hu-HU" dirty="0" smtClean="0"/>
+              <a:t>módosítására </a:t>
+            </a:r>
+            <a:r>
+              <a:rPr lang="hu-HU" dirty="0" smtClean="0"/>
+              <a:t>szolgál.</a:t>
+            </a:r>
+          </a:p>
+          <a:p>
+            <a:r>
+              <a:rPr lang="hu-HU" dirty="0" smtClean="0"/>
+              <a:t>Törlés</a:t>
             </a:r>
           </a:p>
           <a:p>
             <a:pPr lvl="1"/>
             <a:r>
               <a:rPr lang="hu-HU" dirty="0" smtClean="0"/>
-              <a:t>A termék listában lévő darab számának megadására, módosítására szolgál.</a:t>
-            </a:r>
-          </a:p>
-          <a:p>
-            <a:r>
-              <a:rPr lang="hu-HU" dirty="0" smtClean="0"/>
-              <a:t>Törlés</a:t>
-            </a:r>
-          </a:p>
-          <a:p>
-            <a:pPr lvl="1"/>
-            <a:r>
-              <a:rPr lang="hu-HU" dirty="0" smtClean="0"/>
-              <a:t>A törlés arra szolgál, ha már nincs szükségünk egy bizonyos listára akkor az törölni tudjuk a listákból.</a:t>
-            </a:r>
+              <a:t>A törlés arra szolgál, </a:t>
+            </a:r>
+            <a:r>
+              <a:rPr lang="hu-HU" dirty="0" smtClean="0"/>
+              <a:t>ha már nem kell egy termék a listába akkor azt törölhetjük onnan.</a:t>
+            </a:r>
+            <a:endParaRPr lang="hu-HU" dirty="0" smtClean="0"/>
           </a:p>
         </p:txBody>
       </p:sp>
@@ -6333,8 +6384,13 @@
             <a:pPr lvl="1"/>
             <a:r>
               <a:rPr lang="hu-HU" dirty="0" smtClean="0"/>
-              <a:t>Ha egy új terméket vásárolunk akkor lehetőségünk van felvinni azt az adatbázisba, hogy a későbbiekben tudjuk azt felhasználni egy listához</a:t>
-            </a:r>
+              <a:t>Ha egy új terméket vásárolunk akkor lehetőségünk van felvinni azt az adatbázisba, hogy a későbbiekben tudjuk azt felhasználni egy </a:t>
+            </a:r>
+            <a:r>
+              <a:rPr lang="hu-HU" dirty="0" smtClean="0"/>
+              <a:t>listához.</a:t>
+            </a:r>
+            <a:endParaRPr lang="hu-HU" dirty="0" smtClean="0"/>
           </a:p>
           <a:p>
             <a:r>
@@ -6363,15 +6419,7 @@
             <a:pPr lvl="1"/>
             <a:r>
               <a:rPr lang="hu-HU" dirty="0" smtClean="0"/>
-              <a:t>Termék törlésére akkor lehet szükségünk, ha egy </a:t>
-            </a:r>
-            <a:r>
-              <a:rPr lang="hu-HU" dirty="0" smtClean="0"/>
-              <a:t>terméke kivonnak a forgalomból </a:t>
-            </a:r>
-            <a:r>
-              <a:rPr lang="hu-HU" dirty="0" smtClean="0"/>
-              <a:t>és többé nincs szükségünk rá, hogy az adatbázisban szerepeljen.</a:t>
+              <a:t>Termék törlésére akkor lehet szükségünk, ha egy terméke kivonnak a forgalomból és többé nincs szükségünk rá, hogy az adatbázisban szerepeljen.</a:t>
             </a:r>
             <a:endParaRPr lang="en-US" dirty="0"/>
           </a:p>
@@ -6603,8 +6651,10 @@
       </p:sp>
       <p:pic>
         <p:nvPicPr>
-          <p:cNvPr id="6" name="Kép 5"/>
-          <p:cNvPicPr/>
+          <p:cNvPr id="10" name="Kép 9"/>
+          <p:cNvPicPr>
+            <a:picLocks noChangeAspect="1"/>
+          </p:cNvPicPr>
           <p:nvPr/>
         </p:nvPicPr>
         <p:blipFill>
@@ -6621,8 +6671,8 @@
         </p:blipFill>
         <p:spPr>
           <a:xfrm>
-            <a:off x="646111" y="1297577"/>
-            <a:ext cx="2164080" cy="3959860"/>
+            <a:off x="3119760" y="1456981"/>
+            <a:ext cx="2106515" cy="3960000"/>
           </a:xfrm>
           <a:prstGeom prst="rect">
             <a:avLst/>
@@ -6631,8 +6681,10 @@
       </p:pic>
       <p:pic>
         <p:nvPicPr>
-          <p:cNvPr id="7" name="Kép 6"/>
-          <p:cNvPicPr/>
+          <p:cNvPr id="11" name="Kép 10"/>
+          <p:cNvPicPr>
+            <a:picLocks noChangeAspect="1"/>
+          </p:cNvPicPr>
           <p:nvPr/>
         </p:nvPicPr>
         <p:blipFill>
@@ -6649,8 +6701,8 @@
         </p:blipFill>
         <p:spPr>
           <a:xfrm>
-            <a:off x="3073036" y="1297577"/>
-            <a:ext cx="2179320" cy="3959860"/>
+            <a:off x="470337" y="1456981"/>
+            <a:ext cx="2139114" cy="3960000"/>
           </a:xfrm>
           <a:prstGeom prst="rect">
             <a:avLst/>
@@ -6659,8 +6711,10 @@
       </p:pic>
       <p:pic>
         <p:nvPicPr>
-          <p:cNvPr id="8" name="Kép 7"/>
-          <p:cNvPicPr/>
+          <p:cNvPr id="12" name="Kép 11"/>
+          <p:cNvPicPr>
+            <a:picLocks noChangeAspect="1"/>
+          </p:cNvPicPr>
           <p:nvPr/>
         </p:nvPicPr>
         <p:blipFill>
@@ -6677,8 +6731,8 @@
         </p:blipFill>
         <p:spPr>
           <a:xfrm>
-            <a:off x="5472275" y="1297577"/>
-            <a:ext cx="2179320" cy="3959860"/>
+            <a:off x="5736584" y="1456981"/>
+            <a:ext cx="2240625" cy="3960000"/>
           </a:xfrm>
           <a:prstGeom prst="rect">
             <a:avLst/>
@@ -6687,8 +6741,10 @@
       </p:pic>
       <p:pic>
         <p:nvPicPr>
-          <p:cNvPr id="9" name="Kép 8"/>
-          <p:cNvPicPr/>
+          <p:cNvPr id="13" name="Kép 12"/>
+          <p:cNvPicPr>
+            <a:picLocks noChangeAspect="1"/>
+          </p:cNvPicPr>
           <p:nvPr/>
         </p:nvPicPr>
         <p:blipFill>
@@ -6705,8 +6761,8 @@
         </p:blipFill>
         <p:spPr>
           <a:xfrm>
-            <a:off x="7871514" y="1297577"/>
-            <a:ext cx="2211070" cy="3959860"/>
+            <a:off x="8487518" y="1456981"/>
+            <a:ext cx="2242344" cy="3960000"/>
           </a:xfrm>
           <a:prstGeom prst="rect">
             <a:avLst/>
@@ -6959,8 +7015,8 @@
         </p:nvSpPr>
         <p:spPr>
           <a:xfrm>
-            <a:off x="646112" y="1427748"/>
-            <a:ext cx="9403742" cy="4820652"/>
+            <a:off x="715781" y="1853248"/>
+            <a:ext cx="9403742" cy="3755072"/>
           </a:xfrm>
         </p:spPr>
         <p:txBody>
@@ -6977,21 +7033,13 @@
           <a:p>
             <a:r>
               <a:rPr lang="hu-HU" sz="2400" dirty="0" smtClean="0"/>
-              <a:t>Feladat </a:t>
-            </a:r>
+              <a:t>Feladat leírása</a:t>
+            </a:r>
+          </a:p>
+          <a:p>
             <a:r>
               <a:rPr lang="hu-HU" sz="2400" dirty="0" smtClean="0"/>
-              <a:t>leírása</a:t>
-            </a:r>
-          </a:p>
-          <a:p>
-            <a:r>
-              <a:rPr lang="hu-HU" sz="2400" dirty="0" smtClean="0"/>
-              <a:t>Hasonló </a:t>
-            </a:r>
-            <a:r>
-              <a:rPr lang="hu-HU" sz="2400" dirty="0" smtClean="0"/>
-              <a:t>applikációk bemutatása</a:t>
+              <a:t>Hasonló applikációk bemutatása</a:t>
             </a:r>
           </a:p>
           <a:p>
@@ -7018,13 +7066,6 @@
               <a:t>Kész kód részletek</a:t>
             </a:r>
             <a:endParaRPr lang="hu-HU" sz="2400" dirty="0"/>
-          </a:p>
-          <a:p>
-            <a:r>
-              <a:rPr lang="hu-HU" sz="2400" dirty="0" smtClean="0"/>
-              <a:t>Összefoglalás</a:t>
-            </a:r>
-            <a:endParaRPr lang="en-US" sz="2400" dirty="0"/>
           </a:p>
         </p:txBody>
       </p:sp>

--- a/Bolti költés.pptx
+++ b/Bolti költés.pptx
@@ -6205,53 +6205,15 @@
           <a:p>
             <a:r>
               <a:rPr lang="hu-HU" dirty="0" smtClean="0"/>
-              <a:t>Új termék hozzáadása</a:t>
-            </a:r>
+              <a:t>Új termék hozzáadása:</a:t>
+            </a:r>
+          </a:p>
+          <a:p>
+            <a:pPr lvl="1"/>
             <a:r>
               <a:rPr lang="hu-HU" dirty="0" smtClean="0"/>
-              <a:t>:</a:t>
-            </a:r>
-            <a:endParaRPr lang="hu-HU" dirty="0" smtClean="0"/>
-          </a:p>
-          <a:p>
-            <a:pPr lvl="1"/>
-            <a:r>
-              <a:rPr lang="hu-HU" dirty="0" smtClean="0"/>
-              <a:t>Egyik fő funkció ként említhetjük meg a </a:t>
-            </a:r>
-            <a:r>
-              <a:rPr lang="hu-HU" dirty="0" smtClean="0"/>
-              <a:t>listához való új termék hozzáadását. </a:t>
-            </a:r>
-            <a:r>
-              <a:rPr lang="hu-HU" dirty="0" smtClean="0"/>
-              <a:t>Erre a </a:t>
-            </a:r>
-            <a:r>
-              <a:rPr lang="hu-HU" dirty="0" smtClean="0"/>
-              <a:t>lista </a:t>
-            </a:r>
-            <a:r>
-              <a:rPr lang="hu-HU" dirty="0" smtClean="0"/>
-              <a:t>nézetben van lehetőségünk az Új </a:t>
-            </a:r>
-            <a:r>
-              <a:rPr lang="hu-HU" dirty="0" smtClean="0"/>
-              <a:t>termék gomb </a:t>
-            </a:r>
-            <a:r>
-              <a:rPr lang="hu-HU" dirty="0" smtClean="0"/>
-              <a:t>lenyomásával. Itt </a:t>
-            </a:r>
-            <a:r>
-              <a:rPr lang="hu-HU" dirty="0" smtClean="0"/>
-              <a:t>meg jeleníthetjük az adatbázisban szereplő termékeket. Ebbő</a:t>
-            </a:r>
-            <a:r>
-              <a:rPr lang="hu-HU" dirty="0" smtClean="0"/>
-              <a:t>l kiválaszthatjuk a vonalkódot és megadhatjuk a mennyiséget, és ezt felvihetjük a listába.</a:t>
-            </a:r>
-            <a:endParaRPr lang="hu-HU" dirty="0" smtClean="0"/>
+              <a:t>Egyik fő funkció ként említhetjük meg a listához való új termék hozzáadását. Erre a lista nézetben van lehetőségünk az Új termék gomb lenyomásával. Itt meg jeleníthetjük az adatbázisban szereplő termékeket. Ebből kiválaszthatjuk a vonalkódot és megadhatjuk a mennyiséget, és ezt felvihetjük a listába.</a:t>
+            </a:r>
           </a:p>
           <a:p>
             <a:r>
@@ -6272,19 +6234,7 @@
             <a:pPr lvl="1"/>
             <a:r>
               <a:rPr lang="hu-HU" dirty="0" smtClean="0"/>
-              <a:t>A </a:t>
-            </a:r>
-            <a:r>
-              <a:rPr lang="hu-HU" dirty="0" smtClean="0"/>
-              <a:t>termék listában lévő darab számának </a:t>
-            </a:r>
-            <a:r>
-              <a:rPr lang="hu-HU" dirty="0" smtClean="0"/>
-              <a:t>módosítására </a:t>
-            </a:r>
-            <a:r>
-              <a:rPr lang="hu-HU" dirty="0" smtClean="0"/>
-              <a:t>szolgál.</a:t>
+              <a:t>A termék listában lévő darab számának módosítására szolgál.</a:t>
             </a:r>
           </a:p>
           <a:p>
@@ -6297,13 +6247,8 @@
             <a:pPr lvl="1"/>
             <a:r>
               <a:rPr lang="hu-HU" dirty="0" smtClean="0"/>
-              <a:t>A törlés arra szolgál, </a:t>
-            </a:r>
-            <a:r>
-              <a:rPr lang="hu-HU" dirty="0" smtClean="0"/>
-              <a:t>ha már nem kell egy termék a listába akkor azt törölhetjük onnan.</a:t>
-            </a:r>
-            <a:endParaRPr lang="hu-HU" dirty="0" smtClean="0"/>
+              <a:t>A törlés arra szolgál, ha már nem kell egy termék a listába akkor azt törölhetjük onnan.</a:t>
+            </a:r>
           </a:p>
         </p:txBody>
       </p:sp>
@@ -6384,13 +6329,8 @@
             <a:pPr lvl="1"/>
             <a:r>
               <a:rPr lang="hu-HU" dirty="0" smtClean="0"/>
-              <a:t>Ha egy új terméket vásárolunk akkor lehetőségünk van felvinni azt az adatbázisba, hogy a későbbiekben tudjuk azt felhasználni egy </a:t>
-            </a:r>
-            <a:r>
-              <a:rPr lang="hu-HU" dirty="0" smtClean="0"/>
-              <a:t>listához.</a:t>
-            </a:r>
-            <a:endParaRPr lang="hu-HU" dirty="0" smtClean="0"/>
+              <a:t>Ha egy új terméket vásárolunk akkor lehetőségünk van felvinni azt az adatbázisba, hogy a későbbiekben tudjuk azt felhasználni egy listához.</a:t>
+            </a:r>
           </a:p>
           <a:p>
             <a:r>
@@ -7975,64 +7915,28 @@
       </p:sp>
       <p:pic>
         <p:nvPicPr>
-          <p:cNvPr id="5" name="Kép 4"/>
+          <p:cNvPr id="4" name="Kép 3"/>
           <p:cNvPicPr>
             <a:picLocks noChangeAspect="1"/>
           </p:cNvPicPr>
           <p:nvPr/>
         </p:nvPicPr>
         <p:blipFill>
-          <a:blip r:embed="rId2">
-            <a:extLst>
-              <a:ext uri="{28A0092B-C50C-407E-A947-70E740481C1C}">
-                <a14:useLocalDpi xmlns:a14="http://schemas.microsoft.com/office/drawing/2010/main" val="0"/>
-              </a:ext>
-            </a:extLst>
-          </a:blip>
+          <a:blip r:embed="rId2"/>
           <a:stretch>
             <a:fillRect/>
           </a:stretch>
         </p:blipFill>
         <p:spPr>
           <a:xfrm>
-            <a:off x="2659210" y="3142597"/>
-            <a:ext cx="6444343" cy="2950422"/>
+            <a:off x="1952516" y="3048001"/>
+            <a:ext cx="7353638" cy="3449052"/>
           </a:xfrm>
           <a:prstGeom prst="rect">
             <a:avLst/>
           </a:prstGeom>
         </p:spPr>
       </p:pic>
-      <p:sp>
-        <p:nvSpPr>
-          <p:cNvPr id="6" name="Szövegdoboz 5"/>
-          <p:cNvSpPr txBox="1"/>
-          <p:nvPr/>
-        </p:nvSpPr>
-        <p:spPr>
-          <a:xfrm>
-            <a:off x="5393907" y="4955177"/>
-            <a:ext cx="974947" cy="261610"/>
-          </a:xfrm>
-          <a:prstGeom prst="rect">
-            <a:avLst/>
-          </a:prstGeom>
-          <a:noFill/>
-        </p:spPr>
-        <p:txBody>
-          <a:bodyPr wrap="none" rtlCol="0">
-            <a:spAutoFit/>
-          </a:bodyPr>
-          <a:lstStyle/>
-          <a:p>
-            <a:r>
-              <a:rPr lang="hu-HU" sz="1100" dirty="0" smtClean="0"/>
-              <a:t>Felhasználó</a:t>
-            </a:r>
-            <a:endParaRPr lang="en-US" sz="1100" dirty="0"/>
-          </a:p>
-        </p:txBody>
-      </p:sp>
     </p:spTree>
     <p:extLst>
       <p:ext uri="{BB962C8B-B14F-4D97-AF65-F5344CB8AC3E}">

--- a/Bolti költés.pptx
+++ b/Bolti költés.pptx
@@ -10,15 +10,15 @@
     <p:sldId id="258" r:id="rId4"/>
     <p:sldId id="259" r:id="rId5"/>
     <p:sldId id="260" r:id="rId6"/>
-    <p:sldId id="261" r:id="rId7"/>
-    <p:sldId id="262" r:id="rId8"/>
-    <p:sldId id="263" r:id="rId9"/>
-    <p:sldId id="265" r:id="rId10"/>
-    <p:sldId id="266" r:id="rId11"/>
-    <p:sldId id="267" r:id="rId12"/>
-    <p:sldId id="264" r:id="rId13"/>
-    <p:sldId id="268" r:id="rId14"/>
-    <p:sldId id="269" r:id="rId15"/>
+    <p:sldId id="265" r:id="rId7"/>
+    <p:sldId id="266" r:id="rId8"/>
+    <p:sldId id="267" r:id="rId9"/>
+    <p:sldId id="268" r:id="rId10"/>
+    <p:sldId id="269" r:id="rId11"/>
+    <p:sldId id="261" r:id="rId12"/>
+    <p:sldId id="262" r:id="rId13"/>
+    <p:sldId id="263" r:id="rId14"/>
+    <p:sldId id="264" r:id="rId15"/>
     <p:sldId id="270" r:id="rId16"/>
   </p:sldIdLst>
   <p:sldSz cx="12192000" cy="6858000"/>
@@ -6173,89 +6173,101 @@
             <p:ph type="title"/>
           </p:nvPr>
         </p:nvSpPr>
-        <p:spPr/>
+        <p:spPr>
+          <a:xfrm>
+            <a:off x="240603" y="2617001"/>
+            <a:ext cx="4636197" cy="2172713"/>
+          </a:xfrm>
+        </p:spPr>
         <p:txBody>
           <a:bodyPr/>
           <a:lstStyle/>
           <a:p>
+            <a:pPr algn="ctr"/>
             <a:r>
               <a:rPr lang="hu-HU" dirty="0" smtClean="0"/>
-              <a:t>Listákkal kapcsolatos funkciók</a:t>
-            </a:r>
-            <a:endParaRPr lang="en-US" dirty="0"/>
-          </a:p>
-        </p:txBody>
-      </p:sp>
-      <p:sp>
-        <p:nvSpPr>
-          <p:cNvPr id="3" name="Tartalom helye 2"/>
-          <p:cNvSpPr>
-            <a:spLocks noGrp="1"/>
-          </p:cNvSpPr>
+              <a:t>Néhány </a:t>
+            </a:r>
+            <a:r>
+              <a:rPr lang="hu-HU" dirty="0"/>
+              <a:t/>
+            </a:r>
+            <a:br>
+              <a:rPr lang="hu-HU" dirty="0"/>
+            </a:br>
+            <a:r>
+              <a:rPr lang="hu-HU" dirty="0" smtClean="0"/>
+              <a:t>egyszerűbb</a:t>
+            </a:r>
+            <a:r>
+              <a:rPr lang="hu-HU" dirty="0" smtClean="0"/>
+              <a:t/>
+            </a:r>
+            <a:br>
+              <a:rPr lang="hu-HU" dirty="0" smtClean="0"/>
+            </a:br>
+            <a:r>
+              <a:rPr lang="hu-HU" dirty="0" smtClean="0"/>
+              <a:t>kód részlet</a:t>
+            </a:r>
+            <a:endParaRPr lang="en-US" dirty="0"/>
+          </a:p>
+        </p:txBody>
+      </p:sp>
+      <p:pic>
+        <p:nvPicPr>
+          <p:cNvPr id="5" name="Kép 4"/>
+          <p:cNvPicPr>
+            <a:picLocks noChangeAspect="1"/>
+          </p:cNvPicPr>
+          <p:nvPr/>
+        </p:nvPicPr>
+        <p:blipFill>
+          <a:blip r:embed="rId2"/>
+          <a:stretch>
+            <a:fillRect/>
+          </a:stretch>
+        </p:blipFill>
+        <p:spPr>
+          <a:xfrm>
+            <a:off x="240603" y="210008"/>
+            <a:ext cx="8029575" cy="1885950"/>
+          </a:xfrm>
+          <a:prstGeom prst="rect">
+            <a:avLst/>
+          </a:prstGeom>
+        </p:spPr>
+      </p:pic>
+      <p:pic>
+        <p:nvPicPr>
+          <p:cNvPr id="4" name="Tartalom helye 3"/>
+          <p:cNvPicPr>
+            <a:picLocks noGrp="1" noChangeAspect="1"/>
+          </p:cNvPicPr>
           <p:nvPr>
             <p:ph idx="1"/>
           </p:nvPr>
-        </p:nvSpPr>
-        <p:spPr/>
-        <p:txBody>
-          <a:bodyPr>
-            <a:normAutofit/>
-          </a:bodyPr>
-          <a:lstStyle/>
-          <a:p>
-            <a:r>
-              <a:rPr lang="hu-HU" dirty="0" smtClean="0"/>
-              <a:t>Új termék hozzáadása:</a:t>
-            </a:r>
-          </a:p>
-          <a:p>
-            <a:pPr lvl="1"/>
-            <a:r>
-              <a:rPr lang="hu-HU" dirty="0" smtClean="0"/>
-              <a:t>Egyik fő funkció ként említhetjük meg a listához való új termék hozzáadását. Erre a lista nézetben van lehetőségünk az Új termék gomb lenyomásával. Itt meg jeleníthetjük az adatbázisban szereplő termékeket. Ebből kiválaszthatjuk a vonalkódot és megadhatjuk a mennyiséget, és ezt felvihetjük a listába.</a:t>
-            </a:r>
-          </a:p>
-          <a:p>
-            <a:r>
-              <a:rPr lang="hu-HU" dirty="0"/>
-              <a:t>M</a:t>
-            </a:r>
-            <a:r>
-              <a:rPr lang="hu-HU" dirty="0" smtClean="0"/>
-              <a:t>ódosítási</a:t>
-            </a:r>
-            <a:r>
-              <a:rPr lang="hu-HU" dirty="0"/>
-              <a:t>:</a:t>
-            </a:r>
-            <a:endParaRPr lang="hu-HU" dirty="0" smtClean="0"/>
-          </a:p>
-          <a:p>
-            <a:pPr lvl="1"/>
-            <a:r>
-              <a:rPr lang="hu-HU" dirty="0" smtClean="0"/>
-              <a:t>A termék listában lévő darab számának módosítására szolgál.</a:t>
-            </a:r>
-          </a:p>
-          <a:p>
-            <a:r>
-              <a:rPr lang="hu-HU" dirty="0" smtClean="0"/>
-              <a:t>Törlés</a:t>
-            </a:r>
-          </a:p>
-          <a:p>
-            <a:pPr lvl="1"/>
-            <a:r>
-              <a:rPr lang="hu-HU" dirty="0" smtClean="0"/>
-              <a:t>A törlés arra szolgál, ha már nem kell egy termék a listába akkor azt törölhetjük onnan.</a:t>
-            </a:r>
-          </a:p>
-        </p:txBody>
-      </p:sp>
+        </p:nvPicPr>
+        <p:blipFill>
+          <a:blip r:embed="rId3"/>
+          <a:stretch>
+            <a:fillRect/>
+          </a:stretch>
+        </p:blipFill>
+        <p:spPr>
+          <a:xfrm>
+            <a:off x="5221938" y="1418980"/>
+            <a:ext cx="6713389" cy="5350204"/>
+          </a:xfrm>
+          <a:prstGeom prst="rect">
+            <a:avLst/>
+          </a:prstGeom>
+        </p:spPr>
+      </p:pic>
     </p:spTree>
     <p:extLst>
       <p:ext uri="{BB962C8B-B14F-4D97-AF65-F5344CB8AC3E}">
-        <p14:creationId xmlns:p14="http://schemas.microsoft.com/office/powerpoint/2010/main" val="2095221240"/>
+        <p14:creationId xmlns:p14="http://schemas.microsoft.com/office/powerpoint/2010/main" val="2657751112"/>
       </p:ext>
     </p:extLst>
   </p:cSld>
@@ -6298,77 +6310,113 @@
           <a:lstStyle/>
           <a:p>
             <a:r>
+              <a:rPr lang="hu-HU" sz="4400" dirty="0"/>
+              <a:t>Hasonló applikációk bemutatása</a:t>
+            </a:r>
+            <a:br>
+              <a:rPr lang="hu-HU" sz="4400" dirty="0"/>
+            </a:br>
+            <a:endParaRPr lang="en-US" dirty="0"/>
+          </a:p>
+        </p:txBody>
+      </p:sp>
+      <p:sp>
+        <p:nvSpPr>
+          <p:cNvPr id="3" name="Tartalom helye 2"/>
+          <p:cNvSpPr>
+            <a:spLocks noGrp="1"/>
+          </p:cNvSpPr>
+          <p:nvPr>
+            <p:ph idx="1"/>
+          </p:nvPr>
+        </p:nvSpPr>
+        <p:spPr/>
+        <p:txBody>
+          <a:bodyPr/>
+          <a:lstStyle/>
+          <a:p>
+            <a:r>
               <a:rPr lang="hu-HU" dirty="0" smtClean="0"/>
-              <a:t>Termékekkel kapcsolatos funkciók</a:t>
-            </a:r>
-            <a:endParaRPr lang="en-US" dirty="0"/>
-          </a:p>
-        </p:txBody>
-      </p:sp>
-      <p:sp>
-        <p:nvSpPr>
-          <p:cNvPr id="3" name="Tartalom helye 2"/>
-          <p:cNvSpPr>
-            <a:spLocks noGrp="1"/>
-          </p:cNvSpPr>
-          <p:nvPr>
-            <p:ph idx="1"/>
-          </p:nvPr>
-        </p:nvSpPr>
-        <p:spPr/>
-        <p:txBody>
-          <a:bodyPr/>
-          <a:lstStyle/>
+              <a:t>Két applikációt tekintettünk meg, és hasonlítottunk össze egymással és az általunk készítendő alkalmazás terveivel.</a:t>
+            </a:r>
+          </a:p>
           <a:p>
             <a:r>
               <a:rPr lang="hu-HU" dirty="0" smtClean="0"/>
-              <a:t>Új termék felvitele:</a:t>
-            </a:r>
-          </a:p>
-          <a:p>
-            <a:pPr lvl="1"/>
-            <a:r>
-              <a:rPr lang="hu-HU" dirty="0" smtClean="0"/>
-              <a:t>Ha egy új terméket vásárolunk akkor lehetőségünk van felvinni azt az adatbázisba, hogy a későbbiekben tudjuk azt felhasználni egy listához.</a:t>
-            </a:r>
-          </a:p>
-          <a:p>
-            <a:r>
-              <a:rPr lang="hu-HU" dirty="0" smtClean="0"/>
-              <a:t>Termék módosítás:</a:t>
-            </a:r>
-          </a:p>
-          <a:p>
-            <a:pPr lvl="1"/>
-            <a:r>
-              <a:rPr lang="hu-HU" dirty="0"/>
-              <a:t>Ha egy termék ára módosul, akkor, ezzel a funkcióval lehetőségünk van azt megváltoztatni, vagy ha más adatot </a:t>
-            </a:r>
-            <a:r>
-              <a:rPr lang="hu-HU" dirty="0" smtClean="0"/>
-              <a:t>elírtunk és azokat módosítani kívánjuk.</a:t>
-            </a:r>
-          </a:p>
-          <a:p>
-            <a:r>
-              <a:rPr lang="hu-HU" dirty="0" smtClean="0"/>
-              <a:t>Termék törlése:</a:t>
-            </a:r>
-          </a:p>
-          <a:p>
-            <a:pPr lvl="1"/>
-            <a:r>
-              <a:rPr lang="hu-HU" dirty="0" smtClean="0"/>
-              <a:t>Termék törlésére akkor lehet szükségünk, ha egy terméke kivonnak a forgalomból és többé nincs szükségünk rá, hogy az adatbázisban szerepeljen.</a:t>
-            </a:r>
-            <a:endParaRPr lang="en-US" dirty="0"/>
-          </a:p>
-        </p:txBody>
-      </p:sp>
+              <a:t>1. Listonic			2.Super </a:t>
+            </a:r>
+            <a:r>
+              <a:rPr lang="hu-HU" dirty="0" err="1" smtClean="0"/>
+              <a:t>Simple</a:t>
+            </a:r>
+            <a:endParaRPr lang="en-US" dirty="0"/>
+          </a:p>
+        </p:txBody>
+      </p:sp>
+      <p:pic>
+        <p:nvPicPr>
+          <p:cNvPr id="4" name="Kép 3"/>
+          <p:cNvPicPr>
+            <a:picLocks noChangeAspect="1"/>
+          </p:cNvPicPr>
+          <p:nvPr/>
+        </p:nvPicPr>
+        <p:blipFill>
+          <a:blip r:embed="rId2">
+            <a:extLst>
+              <a:ext uri="{28A0092B-C50C-407E-A947-70E740481C1C}">
+                <a14:useLocalDpi xmlns:a14="http://schemas.microsoft.com/office/drawing/2010/main" val="0"/>
+              </a:ext>
+            </a:extLst>
+          </a:blip>
+          <a:stretch>
+            <a:fillRect/>
+          </a:stretch>
+        </p:blipFill>
+        <p:spPr>
+          <a:xfrm>
+            <a:off x="1640902" y="3273185"/>
+            <a:ext cx="1358973" cy="1358973"/>
+          </a:xfrm>
+          <a:prstGeom prst="rect">
+            <a:avLst/>
+          </a:prstGeom>
+        </p:spPr>
+      </p:pic>
+      <p:pic>
+        <p:nvPicPr>
+          <p:cNvPr id="5" name="Kép 4"/>
+          <p:cNvPicPr>
+            <a:picLocks noChangeAspect="1"/>
+          </p:cNvPicPr>
+          <p:nvPr/>
+        </p:nvPicPr>
+        <p:blipFill>
+          <a:blip r:embed="rId3">
+            <a:extLst>
+              <a:ext uri="{28A0092B-C50C-407E-A947-70E740481C1C}">
+                <a14:useLocalDpi xmlns:a14="http://schemas.microsoft.com/office/drawing/2010/main" val="0"/>
+              </a:ext>
+            </a:extLst>
+          </a:blip>
+          <a:stretch>
+            <a:fillRect/>
+          </a:stretch>
+        </p:blipFill>
+        <p:spPr>
+          <a:xfrm>
+            <a:off x="4371098" y="3273185"/>
+            <a:ext cx="1259680" cy="1259680"/>
+          </a:xfrm>
+          <a:prstGeom prst="rect">
+            <a:avLst/>
+          </a:prstGeom>
+        </p:spPr>
+      </p:pic>
     </p:spTree>
     <p:extLst>
       <p:ext uri="{BB962C8B-B14F-4D97-AF65-F5344CB8AC3E}">
-        <p14:creationId xmlns:p14="http://schemas.microsoft.com/office/powerpoint/2010/main" val="3519410171"/>
+        <p14:creationId xmlns:p14="http://schemas.microsoft.com/office/powerpoint/2010/main" val="767527991"/>
       </p:ext>
     </p:extLst>
   </p:cSld>
@@ -6405,6 +6453,315 @@
             <p:ph type="title"/>
           </p:nvPr>
         </p:nvSpPr>
+        <p:spPr/>
+        <p:txBody>
+          <a:bodyPr/>
+          <a:lstStyle/>
+          <a:p>
+            <a:r>
+              <a:rPr lang="hu-HU" dirty="0" smtClean="0"/>
+              <a:t>Listonic</a:t>
+            </a:r>
+            <a:endParaRPr lang="en-US" dirty="0"/>
+          </a:p>
+        </p:txBody>
+      </p:sp>
+      <p:sp>
+        <p:nvSpPr>
+          <p:cNvPr id="3" name="Tartalom helye 2"/>
+          <p:cNvSpPr>
+            <a:spLocks noGrp="1"/>
+          </p:cNvSpPr>
+          <p:nvPr>
+            <p:ph idx="1"/>
+          </p:nvPr>
+        </p:nvSpPr>
+        <p:spPr/>
+        <p:txBody>
+          <a:bodyPr>
+            <a:normAutofit fontScale="92500" lnSpcReduction="20000"/>
+          </a:bodyPr>
+          <a:lstStyle/>
+          <a:p>
+            <a:r>
+              <a:rPr lang="hu-HU" dirty="0" smtClean="0"/>
+              <a:t>Lengyel fejlesztésű ingyenesen letölthető applikáció.</a:t>
+            </a:r>
+          </a:p>
+          <a:p>
+            <a:r>
+              <a:rPr lang="hu-HU" dirty="0" smtClean="0"/>
+              <a:t>Értékelése 4,7.</a:t>
+            </a:r>
+          </a:p>
+          <a:p>
+            <a:r>
+              <a:rPr lang="hu-HU" dirty="0" smtClean="0"/>
+              <a:t>Funkciók:</a:t>
+            </a:r>
+          </a:p>
+          <a:p>
+            <a:pPr lvl="1"/>
+            <a:r>
+              <a:rPr lang="hu-HU" dirty="0" smtClean="0"/>
+              <a:t>Belépéskor listákat láthatjuk előszőr. Több funkciót tudunk meg valósítani itt is. Új listákat hozhatunk létre, törölhetjük a meglévőket, módosíthatjuk őket, vagy akár duplikálhatjuk is.</a:t>
+            </a:r>
+          </a:p>
+          <a:p>
+            <a:pPr lvl="1"/>
+            <a:r>
+              <a:rPr lang="hu-HU" dirty="0" smtClean="0"/>
+              <a:t>Egy listát kiválasztva kattintással beleléphetünk. Itt láthatjuk a listába már felvitt termékeket. Adhatunk hozzá új terméket, ahol a nevét és mennyiségét adhatjuk meg, akár elemlistából is választhatunk. Ha már van termék a listában, azt módosíthatjuk, módosítás alatt adhatunk meg árat. Törölhetjük is a terméket a listából.</a:t>
+            </a:r>
+          </a:p>
+          <a:p>
+            <a:pPr lvl="1"/>
+            <a:r>
+              <a:rPr lang="hu-HU" dirty="0" smtClean="0"/>
+              <a:t> Ha megadjuk a termékek árát, akkor a lista alján megjelenik, hogy mennyibe fog kerülni összesen a lista tartalma. </a:t>
+            </a:r>
+          </a:p>
+          <a:p>
+            <a:pPr lvl="1"/>
+            <a:r>
+              <a:rPr lang="hu-HU" dirty="0" smtClean="0"/>
+              <a:t>Valamint ha valamit már megvásárlottunk akkor arra a termékre kattintva azt kipipálhatjuk innen tudhatjuk, hogy azt a terméket már a kosárba raktuk.</a:t>
+            </a:r>
+          </a:p>
+        </p:txBody>
+      </p:sp>
+      <p:pic>
+        <p:nvPicPr>
+          <p:cNvPr id="4" name="Kép 3"/>
+          <p:cNvPicPr>
+            <a:picLocks noChangeAspect="1"/>
+          </p:cNvPicPr>
+          <p:nvPr/>
+        </p:nvPicPr>
+        <p:blipFill>
+          <a:blip r:embed="rId2">
+            <a:extLst>
+              <a:ext uri="{28A0092B-C50C-407E-A947-70E740481C1C}">
+                <a14:useLocalDpi xmlns:a14="http://schemas.microsoft.com/office/drawing/2010/main" val="0"/>
+              </a:ext>
+            </a:extLst>
+          </a:blip>
+          <a:stretch>
+            <a:fillRect/>
+          </a:stretch>
+        </p:blipFill>
+        <p:spPr>
+          <a:xfrm>
+            <a:off x="8690880" y="253048"/>
+            <a:ext cx="1358973" cy="1358973"/>
+          </a:xfrm>
+          <a:prstGeom prst="rect">
+            <a:avLst/>
+          </a:prstGeom>
+        </p:spPr>
+      </p:pic>
+    </p:spTree>
+    <p:extLst>
+      <p:ext uri="{BB962C8B-B14F-4D97-AF65-F5344CB8AC3E}">
+        <p14:creationId xmlns:p14="http://schemas.microsoft.com/office/powerpoint/2010/main" val="2479485833"/>
+      </p:ext>
+    </p:extLst>
+  </p:cSld>
+  <p:clrMapOvr>
+    <a:masterClrMapping/>
+  </p:clrMapOvr>
+</p:sld>
+</file>
+
+<file path=ppt/slides/slide13.xml><?xml version="1.0" encoding="utf-8"?>
+<p:sld xmlns:a="http://schemas.openxmlformats.org/drawingml/2006/main" xmlns:r="http://schemas.openxmlformats.org/officeDocument/2006/relationships" xmlns:p="http://schemas.openxmlformats.org/presentationml/2006/main">
+  <p:cSld>
+    <p:spTree>
+      <p:nvGrpSpPr>
+        <p:cNvPr id="1" name=""/>
+        <p:cNvGrpSpPr/>
+        <p:nvPr/>
+      </p:nvGrpSpPr>
+      <p:grpSpPr>
+        <a:xfrm>
+          <a:off x="0" y="0"/>
+          <a:ext cx="0" cy="0"/>
+          <a:chOff x="0" y="0"/>
+          <a:chExt cx="0" cy="0"/>
+        </a:xfrm>
+      </p:grpSpPr>
+      <p:sp>
+        <p:nvSpPr>
+          <p:cNvPr id="2" name="Cím 1"/>
+          <p:cNvSpPr>
+            <a:spLocks noGrp="1"/>
+          </p:cNvSpPr>
+          <p:nvPr>
+            <p:ph type="title"/>
+          </p:nvPr>
+        </p:nvSpPr>
+        <p:spPr/>
+        <p:txBody>
+          <a:bodyPr/>
+          <a:lstStyle/>
+          <a:p>
+            <a:r>
+              <a:rPr lang="hu-HU" dirty="0" err="1" smtClean="0"/>
+              <a:t>Super</a:t>
+            </a:r>
+            <a:r>
+              <a:rPr lang="hu-HU" dirty="0" smtClean="0"/>
+              <a:t> </a:t>
+            </a:r>
+            <a:r>
+              <a:rPr lang="hu-HU" dirty="0" err="1" smtClean="0"/>
+              <a:t>Simple</a:t>
+            </a:r>
+            <a:endParaRPr lang="en-US" dirty="0"/>
+          </a:p>
+        </p:txBody>
+      </p:sp>
+      <p:sp>
+        <p:nvSpPr>
+          <p:cNvPr id="3" name="Tartalom helye 2"/>
+          <p:cNvSpPr>
+            <a:spLocks noGrp="1"/>
+          </p:cNvSpPr>
+          <p:nvPr>
+            <p:ph idx="1"/>
+          </p:nvPr>
+        </p:nvSpPr>
+        <p:spPr>
+          <a:xfrm>
+            <a:off x="1103312" y="2052918"/>
+            <a:ext cx="8946541" cy="4195481"/>
+          </a:xfrm>
+        </p:spPr>
+        <p:txBody>
+          <a:bodyPr>
+            <a:normAutofit lnSpcReduction="10000"/>
+          </a:bodyPr>
+          <a:lstStyle/>
+          <a:p>
+            <a:r>
+              <a:rPr lang="hu-HU" dirty="0" smtClean="0"/>
+              <a:t>Kanadai fejlesztésű szinté ingyenes applikáció.</a:t>
+            </a:r>
+          </a:p>
+          <a:p>
+            <a:r>
+              <a:rPr lang="hu-HU" dirty="0" smtClean="0"/>
+              <a:t>Értékelése 4.</a:t>
+            </a:r>
+          </a:p>
+          <a:p>
+            <a:r>
+              <a:rPr lang="hu-HU" dirty="0" smtClean="0"/>
+              <a:t>Funkciók:</a:t>
+            </a:r>
+          </a:p>
+          <a:p>
+            <a:pPr lvl="1"/>
+            <a:r>
+              <a:rPr lang="hu-HU" dirty="0" smtClean="0"/>
+              <a:t>Ebben az applikációban más a nézet forma. Nincsen külön listáknak nézet és a lista nézet, hanem lenyitható listák vannak. </a:t>
+            </a:r>
+            <a:endParaRPr lang="hu-HU" dirty="0"/>
+          </a:p>
+          <a:p>
+            <a:pPr lvl="1"/>
+            <a:r>
+              <a:rPr lang="hu-HU" dirty="0" smtClean="0"/>
+              <a:t>Főként csak termékeket tudunk hozzá adni, a termék nevének megadásakor egy színt kell választanunk és az alapján kerül bele listába a termékünk. </a:t>
+            </a:r>
+          </a:p>
+          <a:p>
+            <a:pPr lvl="1"/>
+            <a:r>
+              <a:rPr lang="hu-HU" dirty="0" smtClean="0"/>
+              <a:t>A termékeket tudjuk módosítani, itt tudjuk az árat és a mennyiséget is megadni, valamint törölni tudjuk a termékeket. </a:t>
+            </a:r>
+          </a:p>
+          <a:p>
+            <a:pPr lvl="1"/>
+            <a:r>
+              <a:rPr lang="hu-HU" dirty="0" smtClean="0"/>
+              <a:t>Ha egy terméket meg vásároltunk arra rá kattintva kihúzásra kerül és innen tudhatjuk, hogy már a kosarunkban van.</a:t>
+            </a:r>
+            <a:endParaRPr lang="en-US" dirty="0"/>
+          </a:p>
+        </p:txBody>
+      </p:sp>
+      <p:pic>
+        <p:nvPicPr>
+          <p:cNvPr id="4" name="Kép 3"/>
+          <p:cNvPicPr>
+            <a:picLocks noChangeAspect="1"/>
+          </p:cNvPicPr>
+          <p:nvPr/>
+        </p:nvPicPr>
+        <p:blipFill>
+          <a:blip r:embed="rId2">
+            <a:extLst>
+              <a:ext uri="{28A0092B-C50C-407E-A947-70E740481C1C}">
+                <a14:useLocalDpi xmlns:a14="http://schemas.microsoft.com/office/drawing/2010/main" val="0"/>
+              </a:ext>
+            </a:extLst>
+          </a:blip>
+          <a:stretch>
+            <a:fillRect/>
+          </a:stretch>
+        </p:blipFill>
+        <p:spPr>
+          <a:xfrm>
+            <a:off x="8790173" y="452718"/>
+            <a:ext cx="1259680" cy="1259680"/>
+          </a:xfrm>
+          <a:prstGeom prst="rect">
+            <a:avLst/>
+          </a:prstGeom>
+        </p:spPr>
+      </p:pic>
+    </p:spTree>
+    <p:extLst>
+      <p:ext uri="{BB962C8B-B14F-4D97-AF65-F5344CB8AC3E}">
+        <p14:creationId xmlns:p14="http://schemas.microsoft.com/office/powerpoint/2010/main" val="613907253"/>
+      </p:ext>
+    </p:extLst>
+  </p:cSld>
+  <p:clrMapOvr>
+    <a:masterClrMapping/>
+  </p:clrMapOvr>
+</p:sld>
+</file>
+
+<file path=ppt/slides/slide14.xml><?xml version="1.0" encoding="utf-8"?>
+<p:sld xmlns:a="http://schemas.openxmlformats.org/drawingml/2006/main" xmlns:r="http://schemas.openxmlformats.org/officeDocument/2006/relationships" xmlns:p="http://schemas.openxmlformats.org/presentationml/2006/main">
+  <p:cSld>
+    <p:spTree>
+      <p:nvGrpSpPr>
+        <p:cNvPr id="1" name=""/>
+        <p:cNvGrpSpPr/>
+        <p:nvPr/>
+      </p:nvGrpSpPr>
+      <p:grpSpPr>
+        <a:xfrm>
+          <a:off x="0" y="0"/>
+          <a:ext cx="0" cy="0"/>
+          <a:chOff x="0" y="0"/>
+          <a:chExt cx="0" cy="0"/>
+        </a:xfrm>
+      </p:grpSpPr>
+      <p:sp>
+        <p:nvSpPr>
+          <p:cNvPr id="2" name="Cím 1"/>
+          <p:cNvSpPr>
+            <a:spLocks noGrp="1"/>
+          </p:cNvSpPr>
+          <p:nvPr>
+            <p:ph type="title"/>
+          </p:nvPr>
+        </p:nvSpPr>
         <p:spPr>
           <a:xfrm>
             <a:off x="646111" y="452718"/>
@@ -6544,7 +6901,896 @@
 </p:sld>
 </file>
 
-<file path=ppt/slides/slide13.xml><?xml version="1.0" encoding="utf-8"?>
+<file path=ppt/slides/slide15.xml><?xml version="1.0" encoding="utf-8"?>
+<p:sld xmlns:a="http://schemas.openxmlformats.org/drawingml/2006/main" xmlns:r="http://schemas.openxmlformats.org/officeDocument/2006/relationships" xmlns:p="http://schemas.openxmlformats.org/presentationml/2006/main">
+  <p:cSld>
+    <p:spTree>
+      <p:nvGrpSpPr>
+        <p:cNvPr id="1" name=""/>
+        <p:cNvGrpSpPr/>
+        <p:nvPr/>
+      </p:nvGrpSpPr>
+      <p:grpSpPr>
+        <a:xfrm>
+          <a:off x="0" y="0"/>
+          <a:ext cx="0" cy="0"/>
+          <a:chOff x="0" y="0"/>
+          <a:chExt cx="0" cy="0"/>
+        </a:xfrm>
+      </p:grpSpPr>
+      <p:sp>
+        <p:nvSpPr>
+          <p:cNvPr id="2" name="Cím 1"/>
+          <p:cNvSpPr>
+            <a:spLocks noGrp="1"/>
+          </p:cNvSpPr>
+          <p:nvPr>
+            <p:ph type="title"/>
+          </p:nvPr>
+        </p:nvSpPr>
+        <p:spPr>
+          <a:xfrm>
+            <a:off x="654819" y="2830286"/>
+            <a:ext cx="10631489" cy="1236618"/>
+          </a:xfrm>
+        </p:spPr>
+        <p:txBody>
+          <a:bodyPr/>
+          <a:lstStyle/>
+          <a:p>
+            <a:pPr algn="ctr"/>
+            <a:r>
+              <a:rPr lang="hu-HU" sz="6600" dirty="0" smtClean="0"/>
+              <a:t>Köszönjük a figyelmet!</a:t>
+            </a:r>
+            <a:endParaRPr lang="en-US" sz="6600" dirty="0"/>
+          </a:p>
+        </p:txBody>
+      </p:sp>
+    </p:spTree>
+    <p:extLst>
+      <p:ext uri="{BB962C8B-B14F-4D97-AF65-F5344CB8AC3E}">
+        <p14:creationId xmlns:p14="http://schemas.microsoft.com/office/powerpoint/2010/main" val="3581308743"/>
+      </p:ext>
+    </p:extLst>
+  </p:cSld>
+  <p:clrMapOvr>
+    <a:masterClrMapping/>
+  </p:clrMapOvr>
+</p:sld>
+</file>
+
+<file path=ppt/slides/slide2.xml><?xml version="1.0" encoding="utf-8"?>
+<p:sld xmlns:a="http://schemas.openxmlformats.org/drawingml/2006/main" xmlns:r="http://schemas.openxmlformats.org/officeDocument/2006/relationships" xmlns:p="http://schemas.openxmlformats.org/presentationml/2006/main">
+  <p:cSld>
+    <p:spTree>
+      <p:nvGrpSpPr>
+        <p:cNvPr id="1" name=""/>
+        <p:cNvGrpSpPr/>
+        <p:nvPr/>
+      </p:nvGrpSpPr>
+      <p:grpSpPr>
+        <a:xfrm>
+          <a:off x="0" y="0"/>
+          <a:ext cx="0" cy="0"/>
+          <a:chOff x="0" y="0"/>
+          <a:chExt cx="0" cy="0"/>
+        </a:xfrm>
+      </p:grpSpPr>
+      <p:sp>
+        <p:nvSpPr>
+          <p:cNvPr id="2" name="Cím 1"/>
+          <p:cNvSpPr>
+            <a:spLocks noGrp="1"/>
+          </p:cNvSpPr>
+          <p:nvPr>
+            <p:ph type="title"/>
+          </p:nvPr>
+        </p:nvSpPr>
+        <p:spPr/>
+        <p:txBody>
+          <a:bodyPr/>
+          <a:lstStyle/>
+          <a:p>
+            <a:r>
+              <a:rPr lang="hu-HU" dirty="0" smtClean="0"/>
+              <a:t>Előadás menete</a:t>
+            </a:r>
+            <a:endParaRPr lang="en-US" dirty="0"/>
+          </a:p>
+        </p:txBody>
+      </p:sp>
+      <p:sp>
+        <p:nvSpPr>
+          <p:cNvPr id="3" name="Tartalom helye 2"/>
+          <p:cNvSpPr>
+            <a:spLocks noGrp="1"/>
+          </p:cNvSpPr>
+          <p:nvPr>
+            <p:ph idx="1"/>
+          </p:nvPr>
+        </p:nvSpPr>
+        <p:spPr>
+          <a:xfrm>
+            <a:off x="715781" y="1853248"/>
+            <a:ext cx="9403742" cy="3755072"/>
+          </a:xfrm>
+        </p:spPr>
+        <p:txBody>
+          <a:bodyPr>
+            <a:normAutofit/>
+          </a:bodyPr>
+          <a:lstStyle/>
+          <a:p>
+            <a:r>
+              <a:rPr lang="hu-HU" sz="2400" dirty="0" smtClean="0"/>
+              <a:t>Mobil eszközök és mobil alkalmazások bemutatása</a:t>
+            </a:r>
+          </a:p>
+          <a:p>
+            <a:r>
+              <a:rPr lang="hu-HU" sz="2400" dirty="0" smtClean="0"/>
+              <a:t>Feladat leírása</a:t>
+            </a:r>
+          </a:p>
+          <a:p>
+            <a:r>
+              <a:rPr lang="hu-HU" sz="2400" dirty="0" smtClean="0"/>
+              <a:t>Funkciók </a:t>
+            </a:r>
+            <a:r>
+              <a:rPr lang="hu-HU" sz="2400" dirty="0" smtClean="0"/>
+              <a:t>ismertetése</a:t>
+            </a:r>
+          </a:p>
+          <a:p>
+            <a:r>
+              <a:rPr lang="hu-HU" sz="2400" dirty="0"/>
+              <a:t>Képernyő képek</a:t>
+            </a:r>
+          </a:p>
+          <a:p>
+            <a:r>
+              <a:rPr lang="hu-HU" sz="2400" dirty="0" smtClean="0"/>
+              <a:t>Kód részletek</a:t>
+            </a:r>
+            <a:endParaRPr lang="hu-HU" sz="2400" dirty="0"/>
+          </a:p>
+          <a:p>
+            <a:r>
+              <a:rPr lang="hu-HU" sz="2400" dirty="0" smtClean="0"/>
+              <a:t>Hasonló </a:t>
+            </a:r>
+            <a:r>
+              <a:rPr lang="hu-HU" sz="2400" dirty="0"/>
+              <a:t>applikációk bemutatása</a:t>
+            </a:r>
+          </a:p>
+          <a:p>
+            <a:r>
+              <a:rPr lang="hu-HU" sz="2400" dirty="0" smtClean="0"/>
+              <a:t>Összehasonlítás</a:t>
+            </a:r>
+            <a:endParaRPr lang="hu-HU" sz="2400" dirty="0" smtClean="0"/>
+          </a:p>
+        </p:txBody>
+      </p:sp>
+    </p:spTree>
+    <p:extLst>
+      <p:ext uri="{BB962C8B-B14F-4D97-AF65-F5344CB8AC3E}">
+        <p14:creationId xmlns:p14="http://schemas.microsoft.com/office/powerpoint/2010/main" val="602064552"/>
+      </p:ext>
+    </p:extLst>
+  </p:cSld>
+  <p:clrMapOvr>
+    <a:masterClrMapping/>
+  </p:clrMapOvr>
+</p:sld>
+</file>
+
+<file path=ppt/slides/slide3.xml><?xml version="1.0" encoding="utf-8"?>
+<p:sld xmlns:a="http://schemas.openxmlformats.org/drawingml/2006/main" xmlns:r="http://schemas.openxmlformats.org/officeDocument/2006/relationships" xmlns:p="http://schemas.openxmlformats.org/presentationml/2006/main">
+  <p:cSld>
+    <p:spTree>
+      <p:nvGrpSpPr>
+        <p:cNvPr id="1" name=""/>
+        <p:cNvGrpSpPr/>
+        <p:nvPr/>
+      </p:nvGrpSpPr>
+      <p:grpSpPr>
+        <a:xfrm>
+          <a:off x="0" y="0"/>
+          <a:ext cx="0" cy="0"/>
+          <a:chOff x="0" y="0"/>
+          <a:chExt cx="0" cy="0"/>
+        </a:xfrm>
+      </p:grpSpPr>
+      <p:sp>
+        <p:nvSpPr>
+          <p:cNvPr id="2" name="Cím 1"/>
+          <p:cNvSpPr>
+            <a:spLocks noGrp="1"/>
+          </p:cNvSpPr>
+          <p:nvPr>
+            <p:ph type="title"/>
+          </p:nvPr>
+        </p:nvSpPr>
+        <p:spPr>
+          <a:xfrm>
+            <a:off x="646111" y="452718"/>
+            <a:ext cx="9668963" cy="1400530"/>
+          </a:xfrm>
+        </p:spPr>
+        <p:txBody>
+          <a:bodyPr/>
+          <a:lstStyle/>
+          <a:p>
+            <a:r>
+              <a:rPr lang="hu-HU" sz="4400" dirty="0"/>
+              <a:t>Mobil </a:t>
+            </a:r>
+            <a:r>
+              <a:rPr lang="hu-HU" sz="4400" dirty="0" smtClean="0"/>
+              <a:t>eszközök</a:t>
+            </a:r>
+            <a:endParaRPr lang="en-US" dirty="0"/>
+          </a:p>
+        </p:txBody>
+      </p:sp>
+      <p:sp>
+        <p:nvSpPr>
+          <p:cNvPr id="3" name="Tartalom helye 2"/>
+          <p:cNvSpPr>
+            <a:spLocks noGrp="1"/>
+          </p:cNvSpPr>
+          <p:nvPr>
+            <p:ph idx="1"/>
+          </p:nvPr>
+        </p:nvSpPr>
+        <p:spPr/>
+        <p:txBody>
+          <a:bodyPr/>
+          <a:lstStyle/>
+          <a:p>
+            <a:r>
+              <a:rPr lang="hu-HU" dirty="0" smtClean="0"/>
+              <a:t>A mai világban elengedhetetlen jóformán minden ember számára, hogy valamilyen mobil eszközzel rendelkezzen.</a:t>
+            </a:r>
+          </a:p>
+          <a:p>
+            <a:r>
+              <a:rPr lang="hu-HU" dirty="0" smtClean="0"/>
+              <a:t>Sokan tévesen definiálják, hogy mik is ezek az eszközök.</a:t>
+            </a:r>
+          </a:p>
+          <a:p>
+            <a:r>
+              <a:rPr lang="hu-HU" dirty="0"/>
+              <a:t>A mobil eszköz olyan számítástechnikai eszköz, ami fizikailag könnyedén és szabadon mozgatható, és számítási képességei használhatóak mozgatás közben is</a:t>
+            </a:r>
+            <a:r>
+              <a:rPr lang="hu-HU" dirty="0" smtClean="0"/>
+              <a:t>.</a:t>
+            </a:r>
+          </a:p>
+          <a:p>
+            <a:r>
+              <a:rPr lang="hu-HU" dirty="0" smtClean="0"/>
+              <a:t>Nem csak a mobiltelefonok tartoznak ide, hanem a Laptopok, Tabletek, PDA-k, GPS és még sorolhatnánk.</a:t>
+            </a:r>
+          </a:p>
+          <a:p>
+            <a:r>
+              <a:rPr lang="hu-HU" dirty="0" smtClean="0"/>
+              <a:t>Több generációra oszthatjuk a mobil eszközök fejlődését. Napjainkban a 4. generáció kiépülését követhetjük figyelemmel.</a:t>
+            </a:r>
+          </a:p>
+          <a:p>
+            <a:endParaRPr lang="en-US" dirty="0"/>
+          </a:p>
+        </p:txBody>
+      </p:sp>
+    </p:spTree>
+    <p:extLst>
+      <p:ext uri="{BB962C8B-B14F-4D97-AF65-F5344CB8AC3E}">
+        <p14:creationId xmlns:p14="http://schemas.microsoft.com/office/powerpoint/2010/main" val="3622847150"/>
+      </p:ext>
+    </p:extLst>
+  </p:cSld>
+  <p:clrMapOvr>
+    <a:masterClrMapping/>
+  </p:clrMapOvr>
+</p:sld>
+</file>
+
+<file path=ppt/slides/slide4.xml><?xml version="1.0" encoding="utf-8"?>
+<p:sld xmlns:a="http://schemas.openxmlformats.org/drawingml/2006/main" xmlns:r="http://schemas.openxmlformats.org/officeDocument/2006/relationships" xmlns:p="http://schemas.openxmlformats.org/presentationml/2006/main">
+  <p:cSld>
+    <p:spTree>
+      <p:nvGrpSpPr>
+        <p:cNvPr id="1" name=""/>
+        <p:cNvGrpSpPr/>
+        <p:nvPr/>
+      </p:nvGrpSpPr>
+      <p:grpSpPr>
+        <a:xfrm>
+          <a:off x="0" y="0"/>
+          <a:ext cx="0" cy="0"/>
+          <a:chOff x="0" y="0"/>
+          <a:chExt cx="0" cy="0"/>
+        </a:xfrm>
+      </p:grpSpPr>
+      <p:sp>
+        <p:nvSpPr>
+          <p:cNvPr id="2" name="Cím 1"/>
+          <p:cNvSpPr>
+            <a:spLocks noGrp="1"/>
+          </p:cNvSpPr>
+          <p:nvPr>
+            <p:ph type="title"/>
+          </p:nvPr>
+        </p:nvSpPr>
+        <p:spPr/>
+        <p:txBody>
+          <a:bodyPr/>
+          <a:lstStyle/>
+          <a:p>
+            <a:r>
+              <a:rPr lang="hu-HU" dirty="0" smtClean="0"/>
+              <a:t>Mobil alkalmazások</a:t>
+            </a:r>
+            <a:endParaRPr lang="en-US" dirty="0"/>
+          </a:p>
+        </p:txBody>
+      </p:sp>
+      <p:sp>
+        <p:nvSpPr>
+          <p:cNvPr id="3" name="Tartalom helye 2"/>
+          <p:cNvSpPr>
+            <a:spLocks noGrp="1"/>
+          </p:cNvSpPr>
+          <p:nvPr>
+            <p:ph idx="1"/>
+          </p:nvPr>
+        </p:nvSpPr>
+        <p:spPr>
+          <a:xfrm>
+            <a:off x="1103312" y="1347538"/>
+            <a:ext cx="8946541" cy="4900862"/>
+          </a:xfrm>
+        </p:spPr>
+        <p:txBody>
+          <a:bodyPr>
+            <a:normAutofit/>
+          </a:bodyPr>
+          <a:lstStyle/>
+          <a:p>
+            <a:r>
+              <a:rPr lang="hu-HU" dirty="0"/>
+              <a:t>A mobil illetve okostelefon alkalmazások mobileszközön futó számítógépes programok</a:t>
+            </a:r>
+            <a:r>
+              <a:rPr lang="hu-HU" dirty="0" smtClean="0"/>
+              <a:t>.</a:t>
+            </a:r>
+          </a:p>
+          <a:p>
+            <a:r>
+              <a:rPr lang="hu-HU" dirty="0" smtClean="0"/>
+              <a:t>Több féle képpen meg különböztethetjük őket. Egy részt szétválaszthatjuk abból a szempontból, hogy az az alkalmazás szükséges-e a mobil eszköz működéséhez, vagy pedig csak egy pluszt ad a mindennapok megkönnyítéséhez.</a:t>
+            </a:r>
+          </a:p>
+          <a:p>
+            <a:r>
+              <a:rPr lang="hu-HU" dirty="0" smtClean="0"/>
+              <a:t>Vannak alapvető alkalmazások amiket előre a megvásárlás előtt rátelepítenek az eszközökre. Ilyenek például az óra, számológép, ébresztő, zseblámpa, naptár stb.</a:t>
+            </a:r>
+          </a:p>
+          <a:p>
+            <a:r>
+              <a:rPr lang="hu-HU" dirty="0" smtClean="0"/>
+              <a:t>Mindezek mellett egy nagyon fontos a </a:t>
+            </a:r>
+            <a:r>
+              <a:rPr lang="hu-HU" dirty="0" err="1" smtClean="0"/>
+              <a:t>Store</a:t>
+            </a:r>
+            <a:r>
+              <a:rPr lang="hu-HU" dirty="0"/>
+              <a:t> </a:t>
+            </a:r>
+            <a:r>
+              <a:rPr lang="hu-HU" dirty="0" smtClean="0"/>
+              <a:t>alkalmazás, ugyan is ennek segítségével juthatunk hozzá új applikációkhoz. </a:t>
+            </a:r>
+          </a:p>
+          <a:p>
+            <a:r>
+              <a:rPr lang="hu-HU" dirty="0" smtClean="0"/>
+              <a:t>A </a:t>
+            </a:r>
+            <a:r>
+              <a:rPr lang="hu-HU" dirty="0" err="1" smtClean="0"/>
+              <a:t>Store-ban</a:t>
+            </a:r>
+            <a:r>
+              <a:rPr lang="hu-HU" dirty="0" smtClean="0"/>
+              <a:t> rengeteg alkalmazás megtalálható, sok van ami ingyenes, de van olyan is ami letöltéséhez fizetni kell.</a:t>
+            </a:r>
+          </a:p>
+        </p:txBody>
+      </p:sp>
+    </p:spTree>
+    <p:extLst>
+      <p:ext uri="{BB962C8B-B14F-4D97-AF65-F5344CB8AC3E}">
+        <p14:creationId xmlns:p14="http://schemas.microsoft.com/office/powerpoint/2010/main" val="4268304197"/>
+      </p:ext>
+    </p:extLst>
+  </p:cSld>
+  <p:clrMapOvr>
+    <a:masterClrMapping/>
+  </p:clrMapOvr>
+</p:sld>
+</file>
+
+<file path=ppt/slides/slide5.xml><?xml version="1.0" encoding="utf-8"?>
+<p:sld xmlns:a="http://schemas.openxmlformats.org/drawingml/2006/main" xmlns:r="http://schemas.openxmlformats.org/officeDocument/2006/relationships" xmlns:p="http://schemas.openxmlformats.org/presentationml/2006/main">
+  <p:cSld>
+    <p:spTree>
+      <p:nvGrpSpPr>
+        <p:cNvPr id="1" name=""/>
+        <p:cNvGrpSpPr/>
+        <p:nvPr/>
+      </p:nvGrpSpPr>
+      <p:grpSpPr>
+        <a:xfrm>
+          <a:off x="0" y="0"/>
+          <a:ext cx="0" cy="0"/>
+          <a:chOff x="0" y="0"/>
+          <a:chExt cx="0" cy="0"/>
+        </a:xfrm>
+      </p:grpSpPr>
+      <p:sp>
+        <p:nvSpPr>
+          <p:cNvPr id="2" name="Cím 1"/>
+          <p:cNvSpPr>
+            <a:spLocks noGrp="1"/>
+          </p:cNvSpPr>
+          <p:nvPr>
+            <p:ph type="title"/>
+          </p:nvPr>
+        </p:nvSpPr>
+        <p:spPr/>
+        <p:txBody>
+          <a:bodyPr/>
+          <a:lstStyle/>
+          <a:p>
+            <a:r>
+              <a:rPr lang="hu-HU" dirty="0" smtClean="0"/>
+              <a:t>Feladat leírás</a:t>
+            </a:r>
+            <a:endParaRPr lang="en-US" dirty="0"/>
+          </a:p>
+        </p:txBody>
+      </p:sp>
+      <p:sp>
+        <p:nvSpPr>
+          <p:cNvPr id="3" name="Tartalom helye 2"/>
+          <p:cNvSpPr>
+            <a:spLocks noGrp="1"/>
+          </p:cNvSpPr>
+          <p:nvPr>
+            <p:ph idx="1"/>
+          </p:nvPr>
+        </p:nvSpPr>
+        <p:spPr/>
+        <p:txBody>
+          <a:bodyPr/>
+          <a:lstStyle/>
+          <a:p>
+            <a:r>
+              <a:rPr lang="hu-HU" dirty="0"/>
+              <a:t>Sokszor lenne hasznos tudni, hogy mennyi értékű áru van már a kosarunkban egy bolti vásárláskor. Ehhez készítsünk egy mobil alkalmazást. </a:t>
+            </a:r>
+            <a:endParaRPr lang="hu-HU" dirty="0" smtClean="0"/>
+          </a:p>
+          <a:p>
+            <a:r>
+              <a:rPr lang="hu-HU" dirty="0" smtClean="0"/>
+              <a:t>Mielőtt </a:t>
+            </a:r>
+            <a:r>
+              <a:rPr lang="hu-HU" dirty="0"/>
+              <a:t>valamit veszek, megadom a vonalkódját vagy a termék nevét, a darabszámot, az egységárat. Ha egy vonalkód már szerepel az adatbázisban, akkor a név és az ár automatikusan beíródik. Lehetőség van egy tétel törlésére vagy a darabszám módosítására. </a:t>
+            </a:r>
+            <a:endParaRPr lang="hu-HU" dirty="0" smtClean="0"/>
+          </a:p>
+          <a:p>
+            <a:r>
+              <a:rPr lang="hu-HU" dirty="0" smtClean="0"/>
+              <a:t>A </a:t>
+            </a:r>
+            <a:r>
+              <a:rPr lang="hu-HU" dirty="0"/>
+              <a:t>program folyamatosan mutatja, hogy mennyi értékű árut szedtem eddig össze. </a:t>
+            </a:r>
+            <a:endParaRPr lang="hu-HU" dirty="0" smtClean="0"/>
+          </a:p>
+          <a:p>
+            <a:r>
+              <a:rPr lang="hu-HU" dirty="0" smtClean="0"/>
+              <a:t>Otthon </a:t>
+            </a:r>
+            <a:r>
+              <a:rPr lang="hu-HU" dirty="0"/>
+              <a:t>lehet bevásárló listát készíteni, ha az adott tételek már a DB-ben vannak, akkor már otthon tudom, hogy mennyit fogok költeni.</a:t>
+            </a:r>
+            <a:endParaRPr lang="en-US" dirty="0"/>
+          </a:p>
+          <a:p>
+            <a:pPr marL="0" indent="0">
+              <a:buNone/>
+            </a:pPr>
+            <a:endParaRPr lang="en-US" dirty="0"/>
+          </a:p>
+        </p:txBody>
+      </p:sp>
+    </p:spTree>
+    <p:extLst>
+      <p:ext uri="{BB962C8B-B14F-4D97-AF65-F5344CB8AC3E}">
+        <p14:creationId xmlns:p14="http://schemas.microsoft.com/office/powerpoint/2010/main" val="2582535708"/>
+      </p:ext>
+    </p:extLst>
+  </p:cSld>
+  <p:clrMapOvr>
+    <a:masterClrMapping/>
+  </p:clrMapOvr>
+</p:sld>
+</file>
+
+<file path=ppt/slides/slide6.xml><?xml version="1.0" encoding="utf-8"?>
+<p:sld xmlns:a="http://schemas.openxmlformats.org/drawingml/2006/main" xmlns:r="http://schemas.openxmlformats.org/officeDocument/2006/relationships" xmlns:p="http://schemas.openxmlformats.org/presentationml/2006/main">
+  <p:cSld>
+    <p:spTree>
+      <p:nvGrpSpPr>
+        <p:cNvPr id="1" name=""/>
+        <p:cNvGrpSpPr/>
+        <p:nvPr/>
+      </p:nvGrpSpPr>
+      <p:grpSpPr>
+        <a:xfrm>
+          <a:off x="0" y="0"/>
+          <a:ext cx="0" cy="0"/>
+          <a:chOff x="0" y="0"/>
+          <a:chExt cx="0" cy="0"/>
+        </a:xfrm>
+      </p:grpSpPr>
+      <p:sp>
+        <p:nvSpPr>
+          <p:cNvPr id="2" name="Cím 1"/>
+          <p:cNvSpPr>
+            <a:spLocks noGrp="1"/>
+          </p:cNvSpPr>
+          <p:nvPr>
+            <p:ph type="title"/>
+          </p:nvPr>
+        </p:nvSpPr>
+        <p:spPr/>
+        <p:txBody>
+          <a:bodyPr/>
+          <a:lstStyle/>
+          <a:p>
+            <a:r>
+              <a:rPr lang="hu-HU" dirty="0" smtClean="0"/>
+              <a:t>Funkciók</a:t>
+            </a:r>
+            <a:endParaRPr lang="en-US" dirty="0"/>
+          </a:p>
+        </p:txBody>
+      </p:sp>
+      <p:sp>
+        <p:nvSpPr>
+          <p:cNvPr id="3" name="Tartalom helye 2"/>
+          <p:cNvSpPr>
+            <a:spLocks noGrp="1"/>
+          </p:cNvSpPr>
+          <p:nvPr>
+            <p:ph idx="1"/>
+          </p:nvPr>
+        </p:nvSpPr>
+        <p:spPr>
+          <a:xfrm>
+            <a:off x="1408112" y="2036876"/>
+            <a:ext cx="8946541" cy="4195481"/>
+          </a:xfrm>
+        </p:spPr>
+        <p:txBody>
+          <a:bodyPr/>
+          <a:lstStyle/>
+          <a:p>
+            <a:r>
+              <a:rPr lang="hu-HU" dirty="0" smtClean="0"/>
+              <a:t>Funkciók tekintetében két fele tervezzük választani a feladatot. Egy részt a listák kezelés, másrészt a termékeke kezelése a cél. </a:t>
+            </a:r>
+          </a:p>
+          <a:p>
+            <a:pPr marL="0" indent="0">
+              <a:buNone/>
+            </a:pPr>
+            <a:endParaRPr lang="en-US" dirty="0"/>
+          </a:p>
+        </p:txBody>
+      </p:sp>
+      <p:pic>
+        <p:nvPicPr>
+          <p:cNvPr id="4" name="Kép 3"/>
+          <p:cNvPicPr>
+            <a:picLocks noChangeAspect="1"/>
+          </p:cNvPicPr>
+          <p:nvPr/>
+        </p:nvPicPr>
+        <p:blipFill>
+          <a:blip r:embed="rId2"/>
+          <a:stretch>
+            <a:fillRect/>
+          </a:stretch>
+        </p:blipFill>
+        <p:spPr>
+          <a:xfrm>
+            <a:off x="1952516" y="3048001"/>
+            <a:ext cx="7353638" cy="3449052"/>
+          </a:xfrm>
+          <a:prstGeom prst="rect">
+            <a:avLst/>
+          </a:prstGeom>
+        </p:spPr>
+      </p:pic>
+    </p:spTree>
+    <p:extLst>
+      <p:ext uri="{BB962C8B-B14F-4D97-AF65-F5344CB8AC3E}">
+        <p14:creationId xmlns:p14="http://schemas.microsoft.com/office/powerpoint/2010/main" val="369484014"/>
+      </p:ext>
+    </p:extLst>
+  </p:cSld>
+  <p:clrMapOvr>
+    <a:masterClrMapping/>
+  </p:clrMapOvr>
+</p:sld>
+</file>
+
+<file path=ppt/slides/slide7.xml><?xml version="1.0" encoding="utf-8"?>
+<p:sld xmlns:a="http://schemas.openxmlformats.org/drawingml/2006/main" xmlns:r="http://schemas.openxmlformats.org/officeDocument/2006/relationships" xmlns:p="http://schemas.openxmlformats.org/presentationml/2006/main">
+  <p:cSld>
+    <p:spTree>
+      <p:nvGrpSpPr>
+        <p:cNvPr id="1" name=""/>
+        <p:cNvGrpSpPr/>
+        <p:nvPr/>
+      </p:nvGrpSpPr>
+      <p:grpSpPr>
+        <a:xfrm>
+          <a:off x="0" y="0"/>
+          <a:ext cx="0" cy="0"/>
+          <a:chOff x="0" y="0"/>
+          <a:chExt cx="0" cy="0"/>
+        </a:xfrm>
+      </p:grpSpPr>
+      <p:sp>
+        <p:nvSpPr>
+          <p:cNvPr id="2" name="Cím 1"/>
+          <p:cNvSpPr>
+            <a:spLocks noGrp="1"/>
+          </p:cNvSpPr>
+          <p:nvPr>
+            <p:ph type="title"/>
+          </p:nvPr>
+        </p:nvSpPr>
+        <p:spPr/>
+        <p:txBody>
+          <a:bodyPr/>
+          <a:lstStyle/>
+          <a:p>
+            <a:r>
+              <a:rPr lang="hu-HU" dirty="0" smtClean="0"/>
+              <a:t>Listákkal kapcsolatos funkciók</a:t>
+            </a:r>
+            <a:endParaRPr lang="en-US" dirty="0"/>
+          </a:p>
+        </p:txBody>
+      </p:sp>
+      <p:sp>
+        <p:nvSpPr>
+          <p:cNvPr id="3" name="Tartalom helye 2"/>
+          <p:cNvSpPr>
+            <a:spLocks noGrp="1"/>
+          </p:cNvSpPr>
+          <p:nvPr>
+            <p:ph idx="1"/>
+          </p:nvPr>
+        </p:nvSpPr>
+        <p:spPr/>
+        <p:txBody>
+          <a:bodyPr>
+            <a:normAutofit/>
+          </a:bodyPr>
+          <a:lstStyle/>
+          <a:p>
+            <a:r>
+              <a:rPr lang="hu-HU" dirty="0" smtClean="0"/>
+              <a:t>Új termék hozzáadása:</a:t>
+            </a:r>
+          </a:p>
+          <a:p>
+            <a:pPr lvl="1"/>
+            <a:r>
+              <a:rPr lang="hu-HU" dirty="0" smtClean="0"/>
+              <a:t>Egyik fő funkció ként említhetjük meg a listához való új termék hozzáadását. Erre a lista nézetben van lehetőségünk az Új termék gomb lenyomásával. Itt meg jeleníthetjük az adatbázisban szereplő termékeket. Ebből kiválaszthatjuk a vonalkódot és megadhatjuk a mennyiséget, és ezt felvihetjük a listába.</a:t>
+            </a:r>
+          </a:p>
+          <a:p>
+            <a:r>
+              <a:rPr lang="hu-HU" dirty="0"/>
+              <a:t>M</a:t>
+            </a:r>
+            <a:r>
+              <a:rPr lang="hu-HU" dirty="0" smtClean="0"/>
+              <a:t>ódosítási</a:t>
+            </a:r>
+            <a:r>
+              <a:rPr lang="hu-HU" dirty="0"/>
+              <a:t>:</a:t>
+            </a:r>
+            <a:endParaRPr lang="hu-HU" dirty="0" smtClean="0"/>
+          </a:p>
+          <a:p>
+            <a:pPr lvl="1"/>
+            <a:r>
+              <a:rPr lang="hu-HU" dirty="0" smtClean="0"/>
+              <a:t>A termék listában lévő darab számának módosítására szolgál.</a:t>
+            </a:r>
+          </a:p>
+          <a:p>
+            <a:r>
+              <a:rPr lang="hu-HU" dirty="0" smtClean="0"/>
+              <a:t>Törlés</a:t>
+            </a:r>
+          </a:p>
+          <a:p>
+            <a:pPr lvl="1"/>
+            <a:r>
+              <a:rPr lang="hu-HU" dirty="0" smtClean="0"/>
+              <a:t>A törlés arra szolgál, ha már nem kell egy termék a listába akkor azt törölhetjük onnan.</a:t>
+            </a:r>
+          </a:p>
+        </p:txBody>
+      </p:sp>
+    </p:spTree>
+    <p:extLst>
+      <p:ext uri="{BB962C8B-B14F-4D97-AF65-F5344CB8AC3E}">
+        <p14:creationId xmlns:p14="http://schemas.microsoft.com/office/powerpoint/2010/main" val="2095221240"/>
+      </p:ext>
+    </p:extLst>
+  </p:cSld>
+  <p:clrMapOvr>
+    <a:masterClrMapping/>
+  </p:clrMapOvr>
+</p:sld>
+</file>
+
+<file path=ppt/slides/slide8.xml><?xml version="1.0" encoding="utf-8"?>
+<p:sld xmlns:a="http://schemas.openxmlformats.org/drawingml/2006/main" xmlns:r="http://schemas.openxmlformats.org/officeDocument/2006/relationships" xmlns:p="http://schemas.openxmlformats.org/presentationml/2006/main">
+  <p:cSld>
+    <p:spTree>
+      <p:nvGrpSpPr>
+        <p:cNvPr id="1" name=""/>
+        <p:cNvGrpSpPr/>
+        <p:nvPr/>
+      </p:nvGrpSpPr>
+      <p:grpSpPr>
+        <a:xfrm>
+          <a:off x="0" y="0"/>
+          <a:ext cx="0" cy="0"/>
+          <a:chOff x="0" y="0"/>
+          <a:chExt cx="0" cy="0"/>
+        </a:xfrm>
+      </p:grpSpPr>
+      <p:sp>
+        <p:nvSpPr>
+          <p:cNvPr id="2" name="Cím 1"/>
+          <p:cNvSpPr>
+            <a:spLocks noGrp="1"/>
+          </p:cNvSpPr>
+          <p:nvPr>
+            <p:ph type="title"/>
+          </p:nvPr>
+        </p:nvSpPr>
+        <p:spPr/>
+        <p:txBody>
+          <a:bodyPr/>
+          <a:lstStyle/>
+          <a:p>
+            <a:r>
+              <a:rPr lang="hu-HU" dirty="0" smtClean="0"/>
+              <a:t>Termékekkel kapcsolatos funkciók</a:t>
+            </a:r>
+            <a:endParaRPr lang="en-US" dirty="0"/>
+          </a:p>
+        </p:txBody>
+      </p:sp>
+      <p:sp>
+        <p:nvSpPr>
+          <p:cNvPr id="3" name="Tartalom helye 2"/>
+          <p:cNvSpPr>
+            <a:spLocks noGrp="1"/>
+          </p:cNvSpPr>
+          <p:nvPr>
+            <p:ph idx="1"/>
+          </p:nvPr>
+        </p:nvSpPr>
+        <p:spPr/>
+        <p:txBody>
+          <a:bodyPr/>
+          <a:lstStyle/>
+          <a:p>
+            <a:r>
+              <a:rPr lang="hu-HU" dirty="0" smtClean="0"/>
+              <a:t>Új termék felvitele:</a:t>
+            </a:r>
+          </a:p>
+          <a:p>
+            <a:pPr lvl="1"/>
+            <a:r>
+              <a:rPr lang="hu-HU" dirty="0" smtClean="0"/>
+              <a:t>Ha egy új terméket vásárolunk akkor lehetőségünk van felvinni azt az adatbázisba, hogy a későbbiekben tudjuk azt felhasználni egy listához.</a:t>
+            </a:r>
+          </a:p>
+          <a:p>
+            <a:r>
+              <a:rPr lang="hu-HU" dirty="0" smtClean="0"/>
+              <a:t>Termék módosítás:</a:t>
+            </a:r>
+          </a:p>
+          <a:p>
+            <a:pPr lvl="1"/>
+            <a:r>
+              <a:rPr lang="hu-HU" dirty="0"/>
+              <a:t>Ha egy termék ára módosul, akkor, ezzel a funkcióval lehetőségünk van azt megváltoztatni, vagy ha más adatot </a:t>
+            </a:r>
+            <a:r>
+              <a:rPr lang="hu-HU" dirty="0" smtClean="0"/>
+              <a:t>elírtunk és azokat módosítani kívánjuk.</a:t>
+            </a:r>
+          </a:p>
+          <a:p>
+            <a:r>
+              <a:rPr lang="hu-HU" dirty="0" smtClean="0"/>
+              <a:t>Termék törlése:</a:t>
+            </a:r>
+          </a:p>
+          <a:p>
+            <a:pPr lvl="1"/>
+            <a:r>
+              <a:rPr lang="hu-HU" dirty="0" smtClean="0"/>
+              <a:t>Termék törlésére akkor lehet szükségünk, ha egy terméke kivonnak a forgalomból és többé nincs szükségünk rá, hogy az adatbázisban szerepeljen.</a:t>
+            </a:r>
+            <a:endParaRPr lang="en-US" dirty="0"/>
+          </a:p>
+        </p:txBody>
+      </p:sp>
+    </p:spTree>
+    <p:extLst>
+      <p:ext uri="{BB962C8B-B14F-4D97-AF65-F5344CB8AC3E}">
+        <p14:creationId xmlns:p14="http://schemas.microsoft.com/office/powerpoint/2010/main" val="3519410171"/>
+      </p:ext>
+    </p:extLst>
+  </p:cSld>
+  <p:clrMapOvr>
+    <a:masterClrMapping/>
+  </p:clrMapOvr>
+</p:sld>
+</file>
+
+<file path=ppt/slides/slide9.xml><?xml version="1.0" encoding="utf-8"?>
 <p:sld xmlns:a="http://schemas.openxmlformats.org/drawingml/2006/main" xmlns:r="http://schemas.openxmlformats.org/officeDocument/2006/relationships" xmlns:p="http://schemas.openxmlformats.org/presentationml/2006/main">
   <p:cSld>
     <p:spTree>
@@ -6713,1234 +7959,6 @@
     <p:extLst>
       <p:ext uri="{BB962C8B-B14F-4D97-AF65-F5344CB8AC3E}">
         <p14:creationId xmlns:p14="http://schemas.microsoft.com/office/powerpoint/2010/main" val="1939254350"/>
-      </p:ext>
-    </p:extLst>
-  </p:cSld>
-  <p:clrMapOvr>
-    <a:masterClrMapping/>
-  </p:clrMapOvr>
-</p:sld>
-</file>
-
-<file path=ppt/slides/slide14.xml><?xml version="1.0" encoding="utf-8"?>
-<p:sld xmlns:a="http://schemas.openxmlformats.org/drawingml/2006/main" xmlns:r="http://schemas.openxmlformats.org/officeDocument/2006/relationships" xmlns:p="http://schemas.openxmlformats.org/presentationml/2006/main">
-  <p:cSld>
-    <p:spTree>
-      <p:nvGrpSpPr>
-        <p:cNvPr id="1" name=""/>
-        <p:cNvGrpSpPr/>
-        <p:nvPr/>
-      </p:nvGrpSpPr>
-      <p:grpSpPr>
-        <a:xfrm>
-          <a:off x="0" y="0"/>
-          <a:ext cx="0" cy="0"/>
-          <a:chOff x="0" y="0"/>
-          <a:chExt cx="0" cy="0"/>
-        </a:xfrm>
-      </p:grpSpPr>
-      <p:sp>
-        <p:nvSpPr>
-          <p:cNvPr id="2" name="Cím 1"/>
-          <p:cNvSpPr>
-            <a:spLocks noGrp="1"/>
-          </p:cNvSpPr>
-          <p:nvPr>
-            <p:ph type="title"/>
-          </p:nvPr>
-        </p:nvSpPr>
-        <p:spPr>
-          <a:xfrm>
-            <a:off x="240603" y="2617001"/>
-            <a:ext cx="3717535" cy="2708978"/>
-          </a:xfrm>
-        </p:spPr>
-        <p:txBody>
-          <a:bodyPr/>
-          <a:lstStyle/>
-          <a:p>
-            <a:r>
-              <a:rPr lang="hu-HU" dirty="0" smtClean="0"/>
-              <a:t>Néhány </a:t>
-            </a:r>
-            <a:br>
-              <a:rPr lang="hu-HU" dirty="0" smtClean="0"/>
-            </a:br>
-            <a:r>
-              <a:rPr lang="hu-HU" dirty="0" smtClean="0"/>
-              <a:t>elkészített </a:t>
-            </a:r>
-            <a:br>
-              <a:rPr lang="hu-HU" dirty="0" smtClean="0"/>
-            </a:br>
-            <a:r>
-              <a:rPr lang="hu-HU" dirty="0" smtClean="0"/>
-              <a:t>kód részlet</a:t>
-            </a:r>
-            <a:endParaRPr lang="en-US" dirty="0"/>
-          </a:p>
-        </p:txBody>
-      </p:sp>
-      <p:pic>
-        <p:nvPicPr>
-          <p:cNvPr id="5" name="Kép 4"/>
-          <p:cNvPicPr>
-            <a:picLocks noChangeAspect="1"/>
-          </p:cNvPicPr>
-          <p:nvPr/>
-        </p:nvPicPr>
-        <p:blipFill>
-          <a:blip r:embed="rId2"/>
-          <a:stretch>
-            <a:fillRect/>
-          </a:stretch>
-        </p:blipFill>
-        <p:spPr>
-          <a:xfrm>
-            <a:off x="240603" y="210008"/>
-            <a:ext cx="8029575" cy="1885950"/>
-          </a:xfrm>
-          <a:prstGeom prst="rect">
-            <a:avLst/>
-          </a:prstGeom>
-        </p:spPr>
-      </p:pic>
-      <p:pic>
-        <p:nvPicPr>
-          <p:cNvPr id="4" name="Tartalom helye 3"/>
-          <p:cNvPicPr>
-            <a:picLocks noGrp="1" noChangeAspect="1"/>
-          </p:cNvPicPr>
-          <p:nvPr>
-            <p:ph idx="1"/>
-          </p:nvPr>
-        </p:nvPicPr>
-        <p:blipFill>
-          <a:blip r:embed="rId3"/>
-          <a:stretch>
-            <a:fillRect/>
-          </a:stretch>
-        </p:blipFill>
-        <p:spPr>
-          <a:xfrm>
-            <a:off x="5221938" y="1418980"/>
-            <a:ext cx="6713389" cy="5350204"/>
-          </a:xfrm>
-          <a:prstGeom prst="rect">
-            <a:avLst/>
-          </a:prstGeom>
-        </p:spPr>
-      </p:pic>
-    </p:spTree>
-    <p:extLst>
-      <p:ext uri="{BB962C8B-B14F-4D97-AF65-F5344CB8AC3E}">
-        <p14:creationId xmlns:p14="http://schemas.microsoft.com/office/powerpoint/2010/main" val="2657751112"/>
-      </p:ext>
-    </p:extLst>
-  </p:cSld>
-  <p:clrMapOvr>
-    <a:masterClrMapping/>
-  </p:clrMapOvr>
-</p:sld>
-</file>
-
-<file path=ppt/slides/slide15.xml><?xml version="1.0" encoding="utf-8"?>
-<p:sld xmlns:a="http://schemas.openxmlformats.org/drawingml/2006/main" xmlns:r="http://schemas.openxmlformats.org/officeDocument/2006/relationships" xmlns:p="http://schemas.openxmlformats.org/presentationml/2006/main">
-  <p:cSld>
-    <p:spTree>
-      <p:nvGrpSpPr>
-        <p:cNvPr id="1" name=""/>
-        <p:cNvGrpSpPr/>
-        <p:nvPr/>
-      </p:nvGrpSpPr>
-      <p:grpSpPr>
-        <a:xfrm>
-          <a:off x="0" y="0"/>
-          <a:ext cx="0" cy="0"/>
-          <a:chOff x="0" y="0"/>
-          <a:chExt cx="0" cy="0"/>
-        </a:xfrm>
-      </p:grpSpPr>
-      <p:sp>
-        <p:nvSpPr>
-          <p:cNvPr id="2" name="Cím 1"/>
-          <p:cNvSpPr>
-            <a:spLocks noGrp="1"/>
-          </p:cNvSpPr>
-          <p:nvPr>
-            <p:ph type="title"/>
-          </p:nvPr>
-        </p:nvSpPr>
-        <p:spPr>
-          <a:xfrm>
-            <a:off x="654819" y="2830286"/>
-            <a:ext cx="10631489" cy="1236618"/>
-          </a:xfrm>
-        </p:spPr>
-        <p:txBody>
-          <a:bodyPr/>
-          <a:lstStyle/>
-          <a:p>
-            <a:pPr algn="ctr"/>
-            <a:r>
-              <a:rPr lang="hu-HU" sz="6600" dirty="0" smtClean="0"/>
-              <a:t>Köszönjük a figyelmet!</a:t>
-            </a:r>
-            <a:endParaRPr lang="en-US" sz="6600" dirty="0"/>
-          </a:p>
-        </p:txBody>
-      </p:sp>
-    </p:spTree>
-    <p:extLst>
-      <p:ext uri="{BB962C8B-B14F-4D97-AF65-F5344CB8AC3E}">
-        <p14:creationId xmlns:p14="http://schemas.microsoft.com/office/powerpoint/2010/main" val="3581308743"/>
-      </p:ext>
-    </p:extLst>
-  </p:cSld>
-  <p:clrMapOvr>
-    <a:masterClrMapping/>
-  </p:clrMapOvr>
-</p:sld>
-</file>
-
-<file path=ppt/slides/slide2.xml><?xml version="1.0" encoding="utf-8"?>
-<p:sld xmlns:a="http://schemas.openxmlformats.org/drawingml/2006/main" xmlns:r="http://schemas.openxmlformats.org/officeDocument/2006/relationships" xmlns:p="http://schemas.openxmlformats.org/presentationml/2006/main">
-  <p:cSld>
-    <p:spTree>
-      <p:nvGrpSpPr>
-        <p:cNvPr id="1" name=""/>
-        <p:cNvGrpSpPr/>
-        <p:nvPr/>
-      </p:nvGrpSpPr>
-      <p:grpSpPr>
-        <a:xfrm>
-          <a:off x="0" y="0"/>
-          <a:ext cx="0" cy="0"/>
-          <a:chOff x="0" y="0"/>
-          <a:chExt cx="0" cy="0"/>
-        </a:xfrm>
-      </p:grpSpPr>
-      <p:sp>
-        <p:nvSpPr>
-          <p:cNvPr id="2" name="Cím 1"/>
-          <p:cNvSpPr>
-            <a:spLocks noGrp="1"/>
-          </p:cNvSpPr>
-          <p:nvPr>
-            <p:ph type="title"/>
-          </p:nvPr>
-        </p:nvSpPr>
-        <p:spPr/>
-        <p:txBody>
-          <a:bodyPr/>
-          <a:lstStyle/>
-          <a:p>
-            <a:r>
-              <a:rPr lang="hu-HU" dirty="0" smtClean="0"/>
-              <a:t>Előadás menete</a:t>
-            </a:r>
-            <a:endParaRPr lang="en-US" dirty="0"/>
-          </a:p>
-        </p:txBody>
-      </p:sp>
-      <p:sp>
-        <p:nvSpPr>
-          <p:cNvPr id="3" name="Tartalom helye 2"/>
-          <p:cNvSpPr>
-            <a:spLocks noGrp="1"/>
-          </p:cNvSpPr>
-          <p:nvPr>
-            <p:ph idx="1"/>
-          </p:nvPr>
-        </p:nvSpPr>
-        <p:spPr>
-          <a:xfrm>
-            <a:off x="715781" y="1853248"/>
-            <a:ext cx="9403742" cy="3755072"/>
-          </a:xfrm>
-        </p:spPr>
-        <p:txBody>
-          <a:bodyPr>
-            <a:normAutofit/>
-          </a:bodyPr>
-          <a:lstStyle/>
-          <a:p>
-            <a:r>
-              <a:rPr lang="hu-HU" sz="2400" dirty="0" smtClean="0"/>
-              <a:t>Mobil eszközök és mobil alkalmazások bemutatása</a:t>
-            </a:r>
-          </a:p>
-          <a:p>
-            <a:r>
-              <a:rPr lang="hu-HU" sz="2400" dirty="0" smtClean="0"/>
-              <a:t>Feladat leírása</a:t>
-            </a:r>
-          </a:p>
-          <a:p>
-            <a:r>
-              <a:rPr lang="hu-HU" sz="2400" dirty="0" smtClean="0"/>
-              <a:t>Hasonló applikációk bemutatása</a:t>
-            </a:r>
-          </a:p>
-          <a:p>
-            <a:r>
-              <a:rPr lang="hu-HU" sz="2400" dirty="0" smtClean="0"/>
-              <a:t>Funkciók ismertetése</a:t>
-            </a:r>
-          </a:p>
-          <a:p>
-            <a:r>
-              <a:rPr lang="hu-HU" sz="2400" dirty="0" smtClean="0"/>
-              <a:t>Összehasonlítás</a:t>
-            </a:r>
-          </a:p>
-          <a:p>
-            <a:r>
-              <a:rPr lang="hu-HU" sz="2400" dirty="0" smtClean="0"/>
-              <a:t>Képernyő képek</a:t>
-            </a:r>
-          </a:p>
-          <a:p>
-            <a:r>
-              <a:rPr lang="hu-HU" sz="2400" dirty="0" smtClean="0"/>
-              <a:t>Kész kód részletek</a:t>
-            </a:r>
-            <a:endParaRPr lang="hu-HU" sz="2400" dirty="0"/>
-          </a:p>
-        </p:txBody>
-      </p:sp>
-    </p:spTree>
-    <p:extLst>
-      <p:ext uri="{BB962C8B-B14F-4D97-AF65-F5344CB8AC3E}">
-        <p14:creationId xmlns:p14="http://schemas.microsoft.com/office/powerpoint/2010/main" val="602064552"/>
-      </p:ext>
-    </p:extLst>
-  </p:cSld>
-  <p:clrMapOvr>
-    <a:masterClrMapping/>
-  </p:clrMapOvr>
-</p:sld>
-</file>
-
-<file path=ppt/slides/slide3.xml><?xml version="1.0" encoding="utf-8"?>
-<p:sld xmlns:a="http://schemas.openxmlformats.org/drawingml/2006/main" xmlns:r="http://schemas.openxmlformats.org/officeDocument/2006/relationships" xmlns:p="http://schemas.openxmlformats.org/presentationml/2006/main">
-  <p:cSld>
-    <p:spTree>
-      <p:nvGrpSpPr>
-        <p:cNvPr id="1" name=""/>
-        <p:cNvGrpSpPr/>
-        <p:nvPr/>
-      </p:nvGrpSpPr>
-      <p:grpSpPr>
-        <a:xfrm>
-          <a:off x="0" y="0"/>
-          <a:ext cx="0" cy="0"/>
-          <a:chOff x="0" y="0"/>
-          <a:chExt cx="0" cy="0"/>
-        </a:xfrm>
-      </p:grpSpPr>
-      <p:sp>
-        <p:nvSpPr>
-          <p:cNvPr id="2" name="Cím 1"/>
-          <p:cNvSpPr>
-            <a:spLocks noGrp="1"/>
-          </p:cNvSpPr>
-          <p:nvPr>
-            <p:ph type="title"/>
-          </p:nvPr>
-        </p:nvSpPr>
-        <p:spPr>
-          <a:xfrm>
-            <a:off x="646111" y="452718"/>
-            <a:ext cx="9668963" cy="1400530"/>
-          </a:xfrm>
-        </p:spPr>
-        <p:txBody>
-          <a:bodyPr/>
-          <a:lstStyle/>
-          <a:p>
-            <a:r>
-              <a:rPr lang="hu-HU" sz="4400" dirty="0"/>
-              <a:t>Mobil </a:t>
-            </a:r>
-            <a:r>
-              <a:rPr lang="hu-HU" sz="4400" dirty="0" smtClean="0"/>
-              <a:t>eszközök</a:t>
-            </a:r>
-            <a:endParaRPr lang="en-US" dirty="0"/>
-          </a:p>
-        </p:txBody>
-      </p:sp>
-      <p:sp>
-        <p:nvSpPr>
-          <p:cNvPr id="3" name="Tartalom helye 2"/>
-          <p:cNvSpPr>
-            <a:spLocks noGrp="1"/>
-          </p:cNvSpPr>
-          <p:nvPr>
-            <p:ph idx="1"/>
-          </p:nvPr>
-        </p:nvSpPr>
-        <p:spPr/>
-        <p:txBody>
-          <a:bodyPr/>
-          <a:lstStyle/>
-          <a:p>
-            <a:r>
-              <a:rPr lang="hu-HU" dirty="0" smtClean="0"/>
-              <a:t>A mai világban elengedhetetlen jóformán minden ember számára, hogy valamilyen mobil eszközzel rendelkezzen.</a:t>
-            </a:r>
-          </a:p>
-          <a:p>
-            <a:r>
-              <a:rPr lang="hu-HU" dirty="0" smtClean="0"/>
-              <a:t>Sokan tévesen definiálják, hogy mik is ezek az eszközök.</a:t>
-            </a:r>
-          </a:p>
-          <a:p>
-            <a:r>
-              <a:rPr lang="hu-HU" dirty="0"/>
-              <a:t>A mobil eszköz olyan számítástechnikai eszköz, ami fizikailag könnyedén és szabadon mozgatható, és számítási képességei használhatóak mozgatás közben is</a:t>
-            </a:r>
-            <a:r>
-              <a:rPr lang="hu-HU" dirty="0" smtClean="0"/>
-              <a:t>.</a:t>
-            </a:r>
-          </a:p>
-          <a:p>
-            <a:r>
-              <a:rPr lang="hu-HU" dirty="0" smtClean="0"/>
-              <a:t>Nem csak a mobiltelefonok tartoznak ide, hanem a Laptopok, Tabletek, PDA-k, GPS és még sorolhatnánk.</a:t>
-            </a:r>
-          </a:p>
-          <a:p>
-            <a:r>
-              <a:rPr lang="hu-HU" dirty="0" smtClean="0"/>
-              <a:t>Több generációra oszthatjuk a mobil eszközök fejlődését. Napjainkban a 4. generáció kiépülését követhetjük figyelemmel.</a:t>
-            </a:r>
-          </a:p>
-          <a:p>
-            <a:endParaRPr lang="en-US" dirty="0"/>
-          </a:p>
-        </p:txBody>
-      </p:sp>
-    </p:spTree>
-    <p:extLst>
-      <p:ext uri="{BB962C8B-B14F-4D97-AF65-F5344CB8AC3E}">
-        <p14:creationId xmlns:p14="http://schemas.microsoft.com/office/powerpoint/2010/main" val="3622847150"/>
-      </p:ext>
-    </p:extLst>
-  </p:cSld>
-  <p:clrMapOvr>
-    <a:masterClrMapping/>
-  </p:clrMapOvr>
-</p:sld>
-</file>
-
-<file path=ppt/slides/slide4.xml><?xml version="1.0" encoding="utf-8"?>
-<p:sld xmlns:a="http://schemas.openxmlformats.org/drawingml/2006/main" xmlns:r="http://schemas.openxmlformats.org/officeDocument/2006/relationships" xmlns:p="http://schemas.openxmlformats.org/presentationml/2006/main">
-  <p:cSld>
-    <p:spTree>
-      <p:nvGrpSpPr>
-        <p:cNvPr id="1" name=""/>
-        <p:cNvGrpSpPr/>
-        <p:nvPr/>
-      </p:nvGrpSpPr>
-      <p:grpSpPr>
-        <a:xfrm>
-          <a:off x="0" y="0"/>
-          <a:ext cx="0" cy="0"/>
-          <a:chOff x="0" y="0"/>
-          <a:chExt cx="0" cy="0"/>
-        </a:xfrm>
-      </p:grpSpPr>
-      <p:sp>
-        <p:nvSpPr>
-          <p:cNvPr id="2" name="Cím 1"/>
-          <p:cNvSpPr>
-            <a:spLocks noGrp="1"/>
-          </p:cNvSpPr>
-          <p:nvPr>
-            <p:ph type="title"/>
-          </p:nvPr>
-        </p:nvSpPr>
-        <p:spPr/>
-        <p:txBody>
-          <a:bodyPr/>
-          <a:lstStyle/>
-          <a:p>
-            <a:r>
-              <a:rPr lang="hu-HU" dirty="0" smtClean="0"/>
-              <a:t>Mobil alkalmazások</a:t>
-            </a:r>
-            <a:endParaRPr lang="en-US" dirty="0"/>
-          </a:p>
-        </p:txBody>
-      </p:sp>
-      <p:sp>
-        <p:nvSpPr>
-          <p:cNvPr id="3" name="Tartalom helye 2"/>
-          <p:cNvSpPr>
-            <a:spLocks noGrp="1"/>
-          </p:cNvSpPr>
-          <p:nvPr>
-            <p:ph idx="1"/>
-          </p:nvPr>
-        </p:nvSpPr>
-        <p:spPr>
-          <a:xfrm>
-            <a:off x="1103312" y="1347538"/>
-            <a:ext cx="8946541" cy="4900862"/>
-          </a:xfrm>
-        </p:spPr>
-        <p:txBody>
-          <a:bodyPr>
-            <a:normAutofit/>
-          </a:bodyPr>
-          <a:lstStyle/>
-          <a:p>
-            <a:r>
-              <a:rPr lang="hu-HU" dirty="0"/>
-              <a:t>A mobil illetve okostelefon alkalmazások mobileszközön futó számítógépes programok</a:t>
-            </a:r>
-            <a:r>
-              <a:rPr lang="hu-HU" dirty="0" smtClean="0"/>
-              <a:t>.</a:t>
-            </a:r>
-          </a:p>
-          <a:p>
-            <a:r>
-              <a:rPr lang="hu-HU" dirty="0" smtClean="0"/>
-              <a:t>Több féle képpen meg különböztethetjük őket. Egy részt szétválaszthatjuk abból a szempontból, hogy az az alkalmazás szükséges-e a mobil eszköz működéséhez, vagy pedig csak egy pluszt ad a mindennapok megkönnyítéséhez.</a:t>
-            </a:r>
-          </a:p>
-          <a:p>
-            <a:r>
-              <a:rPr lang="hu-HU" dirty="0" smtClean="0"/>
-              <a:t>Vannak alapvető alkalmazások amiket előre a megvásárlás előtt rátelepítenek az eszközökre. Ilyenek például az óra, számológép, ébresztő, zseblámpa, naptár stb.</a:t>
-            </a:r>
-          </a:p>
-          <a:p>
-            <a:r>
-              <a:rPr lang="hu-HU" dirty="0" smtClean="0"/>
-              <a:t>Mindezek mellett egy nagyon fontos a </a:t>
-            </a:r>
-            <a:r>
-              <a:rPr lang="hu-HU" dirty="0" err="1" smtClean="0"/>
-              <a:t>Store</a:t>
-            </a:r>
-            <a:r>
-              <a:rPr lang="hu-HU" dirty="0"/>
-              <a:t> </a:t>
-            </a:r>
-            <a:r>
-              <a:rPr lang="hu-HU" dirty="0" smtClean="0"/>
-              <a:t>alkalmazás, ugyan is ennek segítségével juthatunk hozzá új applikációkhoz. </a:t>
-            </a:r>
-          </a:p>
-          <a:p>
-            <a:r>
-              <a:rPr lang="hu-HU" dirty="0" smtClean="0"/>
-              <a:t>A </a:t>
-            </a:r>
-            <a:r>
-              <a:rPr lang="hu-HU" dirty="0" err="1" smtClean="0"/>
-              <a:t>Store-ban</a:t>
-            </a:r>
-            <a:r>
-              <a:rPr lang="hu-HU" dirty="0" smtClean="0"/>
-              <a:t> rengeteg alkalmazás megtalálható, sok van ami ingyenes, de van olyan is ami letöltéséhez fizetni kell.</a:t>
-            </a:r>
-          </a:p>
-        </p:txBody>
-      </p:sp>
-    </p:spTree>
-    <p:extLst>
-      <p:ext uri="{BB962C8B-B14F-4D97-AF65-F5344CB8AC3E}">
-        <p14:creationId xmlns:p14="http://schemas.microsoft.com/office/powerpoint/2010/main" val="4268304197"/>
-      </p:ext>
-    </p:extLst>
-  </p:cSld>
-  <p:clrMapOvr>
-    <a:masterClrMapping/>
-  </p:clrMapOvr>
-</p:sld>
-</file>
-
-<file path=ppt/slides/slide5.xml><?xml version="1.0" encoding="utf-8"?>
-<p:sld xmlns:a="http://schemas.openxmlformats.org/drawingml/2006/main" xmlns:r="http://schemas.openxmlformats.org/officeDocument/2006/relationships" xmlns:p="http://schemas.openxmlformats.org/presentationml/2006/main">
-  <p:cSld>
-    <p:spTree>
-      <p:nvGrpSpPr>
-        <p:cNvPr id="1" name=""/>
-        <p:cNvGrpSpPr/>
-        <p:nvPr/>
-      </p:nvGrpSpPr>
-      <p:grpSpPr>
-        <a:xfrm>
-          <a:off x="0" y="0"/>
-          <a:ext cx="0" cy="0"/>
-          <a:chOff x="0" y="0"/>
-          <a:chExt cx="0" cy="0"/>
-        </a:xfrm>
-      </p:grpSpPr>
-      <p:sp>
-        <p:nvSpPr>
-          <p:cNvPr id="2" name="Cím 1"/>
-          <p:cNvSpPr>
-            <a:spLocks noGrp="1"/>
-          </p:cNvSpPr>
-          <p:nvPr>
-            <p:ph type="title"/>
-          </p:nvPr>
-        </p:nvSpPr>
-        <p:spPr/>
-        <p:txBody>
-          <a:bodyPr/>
-          <a:lstStyle/>
-          <a:p>
-            <a:r>
-              <a:rPr lang="hu-HU" dirty="0" smtClean="0"/>
-              <a:t>Feladat leírás</a:t>
-            </a:r>
-            <a:endParaRPr lang="en-US" dirty="0"/>
-          </a:p>
-        </p:txBody>
-      </p:sp>
-      <p:sp>
-        <p:nvSpPr>
-          <p:cNvPr id="3" name="Tartalom helye 2"/>
-          <p:cNvSpPr>
-            <a:spLocks noGrp="1"/>
-          </p:cNvSpPr>
-          <p:nvPr>
-            <p:ph idx="1"/>
-          </p:nvPr>
-        </p:nvSpPr>
-        <p:spPr/>
-        <p:txBody>
-          <a:bodyPr/>
-          <a:lstStyle/>
-          <a:p>
-            <a:r>
-              <a:rPr lang="hu-HU" dirty="0"/>
-              <a:t>Sokszor lenne hasznos tudni, hogy mennyi értékű áru van már a kosarunkban egy bolti vásárláskor. Ehhez készítsünk egy mobil alkalmazást. </a:t>
-            </a:r>
-            <a:endParaRPr lang="hu-HU" dirty="0" smtClean="0"/>
-          </a:p>
-          <a:p>
-            <a:r>
-              <a:rPr lang="hu-HU" dirty="0" smtClean="0"/>
-              <a:t>Mielőtt </a:t>
-            </a:r>
-            <a:r>
-              <a:rPr lang="hu-HU" dirty="0"/>
-              <a:t>valamit veszek, megadom a vonalkódját vagy a termék nevét, a darabszámot, az egységárat. Ha egy vonalkód már szerepel az adatbázisban, akkor a név és az ár automatikusan beíródik. Lehetőség van egy tétel törlésére vagy a darabszám módosítására. </a:t>
-            </a:r>
-            <a:endParaRPr lang="hu-HU" dirty="0" smtClean="0"/>
-          </a:p>
-          <a:p>
-            <a:r>
-              <a:rPr lang="hu-HU" dirty="0" smtClean="0"/>
-              <a:t>A </a:t>
-            </a:r>
-            <a:r>
-              <a:rPr lang="hu-HU" dirty="0"/>
-              <a:t>program folyamatosan mutatja, hogy mennyi értékű árut szedtem eddig össze. </a:t>
-            </a:r>
-            <a:endParaRPr lang="hu-HU" dirty="0" smtClean="0"/>
-          </a:p>
-          <a:p>
-            <a:r>
-              <a:rPr lang="hu-HU" dirty="0" smtClean="0"/>
-              <a:t>Otthon </a:t>
-            </a:r>
-            <a:r>
-              <a:rPr lang="hu-HU" dirty="0"/>
-              <a:t>lehet bevásárló listát készíteni, ha az adott tételek már a DB-ben vannak, akkor már otthon tudom, hogy mennyit fogok költeni.</a:t>
-            </a:r>
-            <a:endParaRPr lang="en-US" dirty="0"/>
-          </a:p>
-          <a:p>
-            <a:pPr marL="0" indent="0">
-              <a:buNone/>
-            </a:pPr>
-            <a:endParaRPr lang="en-US" dirty="0"/>
-          </a:p>
-        </p:txBody>
-      </p:sp>
-    </p:spTree>
-    <p:extLst>
-      <p:ext uri="{BB962C8B-B14F-4D97-AF65-F5344CB8AC3E}">
-        <p14:creationId xmlns:p14="http://schemas.microsoft.com/office/powerpoint/2010/main" val="2582535708"/>
-      </p:ext>
-    </p:extLst>
-  </p:cSld>
-  <p:clrMapOvr>
-    <a:masterClrMapping/>
-  </p:clrMapOvr>
-</p:sld>
-</file>
-
-<file path=ppt/slides/slide6.xml><?xml version="1.0" encoding="utf-8"?>
-<p:sld xmlns:a="http://schemas.openxmlformats.org/drawingml/2006/main" xmlns:r="http://schemas.openxmlformats.org/officeDocument/2006/relationships" xmlns:p="http://schemas.openxmlformats.org/presentationml/2006/main">
-  <p:cSld>
-    <p:spTree>
-      <p:nvGrpSpPr>
-        <p:cNvPr id="1" name=""/>
-        <p:cNvGrpSpPr/>
-        <p:nvPr/>
-      </p:nvGrpSpPr>
-      <p:grpSpPr>
-        <a:xfrm>
-          <a:off x="0" y="0"/>
-          <a:ext cx="0" cy="0"/>
-          <a:chOff x="0" y="0"/>
-          <a:chExt cx="0" cy="0"/>
-        </a:xfrm>
-      </p:grpSpPr>
-      <p:sp>
-        <p:nvSpPr>
-          <p:cNvPr id="2" name="Cím 1"/>
-          <p:cNvSpPr>
-            <a:spLocks noGrp="1"/>
-          </p:cNvSpPr>
-          <p:nvPr>
-            <p:ph type="title"/>
-          </p:nvPr>
-        </p:nvSpPr>
-        <p:spPr/>
-        <p:txBody>
-          <a:bodyPr/>
-          <a:lstStyle/>
-          <a:p>
-            <a:r>
-              <a:rPr lang="hu-HU" sz="4400" dirty="0"/>
-              <a:t>Hasonló applikációk bemutatása</a:t>
-            </a:r>
-            <a:br>
-              <a:rPr lang="hu-HU" sz="4400" dirty="0"/>
-            </a:br>
-            <a:endParaRPr lang="en-US" dirty="0"/>
-          </a:p>
-        </p:txBody>
-      </p:sp>
-      <p:sp>
-        <p:nvSpPr>
-          <p:cNvPr id="3" name="Tartalom helye 2"/>
-          <p:cNvSpPr>
-            <a:spLocks noGrp="1"/>
-          </p:cNvSpPr>
-          <p:nvPr>
-            <p:ph idx="1"/>
-          </p:nvPr>
-        </p:nvSpPr>
-        <p:spPr/>
-        <p:txBody>
-          <a:bodyPr/>
-          <a:lstStyle/>
-          <a:p>
-            <a:r>
-              <a:rPr lang="hu-HU" dirty="0" smtClean="0"/>
-              <a:t>Két applikációt tekintettünk meg, és hasonlítottunk össze egymással és az általunk készítendő alkalmazás terveivel.</a:t>
-            </a:r>
-          </a:p>
-          <a:p>
-            <a:r>
-              <a:rPr lang="hu-HU" dirty="0" smtClean="0"/>
-              <a:t>1. Listonic			2.Super </a:t>
-            </a:r>
-            <a:r>
-              <a:rPr lang="hu-HU" dirty="0" err="1" smtClean="0"/>
-              <a:t>Simple</a:t>
-            </a:r>
-            <a:endParaRPr lang="en-US" dirty="0"/>
-          </a:p>
-        </p:txBody>
-      </p:sp>
-      <p:pic>
-        <p:nvPicPr>
-          <p:cNvPr id="4" name="Kép 3"/>
-          <p:cNvPicPr>
-            <a:picLocks noChangeAspect="1"/>
-          </p:cNvPicPr>
-          <p:nvPr/>
-        </p:nvPicPr>
-        <p:blipFill>
-          <a:blip r:embed="rId2">
-            <a:extLst>
-              <a:ext uri="{28A0092B-C50C-407E-A947-70E740481C1C}">
-                <a14:useLocalDpi xmlns:a14="http://schemas.microsoft.com/office/drawing/2010/main" val="0"/>
-              </a:ext>
-            </a:extLst>
-          </a:blip>
-          <a:stretch>
-            <a:fillRect/>
-          </a:stretch>
-        </p:blipFill>
-        <p:spPr>
-          <a:xfrm>
-            <a:off x="1640902" y="3273185"/>
-            <a:ext cx="1358973" cy="1358973"/>
-          </a:xfrm>
-          <a:prstGeom prst="rect">
-            <a:avLst/>
-          </a:prstGeom>
-        </p:spPr>
-      </p:pic>
-      <p:pic>
-        <p:nvPicPr>
-          <p:cNvPr id="5" name="Kép 4"/>
-          <p:cNvPicPr>
-            <a:picLocks noChangeAspect="1"/>
-          </p:cNvPicPr>
-          <p:nvPr/>
-        </p:nvPicPr>
-        <p:blipFill>
-          <a:blip r:embed="rId3">
-            <a:extLst>
-              <a:ext uri="{28A0092B-C50C-407E-A947-70E740481C1C}">
-                <a14:useLocalDpi xmlns:a14="http://schemas.microsoft.com/office/drawing/2010/main" val="0"/>
-              </a:ext>
-            </a:extLst>
-          </a:blip>
-          <a:stretch>
-            <a:fillRect/>
-          </a:stretch>
-        </p:blipFill>
-        <p:spPr>
-          <a:xfrm>
-            <a:off x="4371098" y="3273185"/>
-            <a:ext cx="1259680" cy="1259680"/>
-          </a:xfrm>
-          <a:prstGeom prst="rect">
-            <a:avLst/>
-          </a:prstGeom>
-        </p:spPr>
-      </p:pic>
-    </p:spTree>
-    <p:extLst>
-      <p:ext uri="{BB962C8B-B14F-4D97-AF65-F5344CB8AC3E}">
-        <p14:creationId xmlns:p14="http://schemas.microsoft.com/office/powerpoint/2010/main" val="767527991"/>
-      </p:ext>
-    </p:extLst>
-  </p:cSld>
-  <p:clrMapOvr>
-    <a:masterClrMapping/>
-  </p:clrMapOvr>
-</p:sld>
-</file>
-
-<file path=ppt/slides/slide7.xml><?xml version="1.0" encoding="utf-8"?>
-<p:sld xmlns:a="http://schemas.openxmlformats.org/drawingml/2006/main" xmlns:r="http://schemas.openxmlformats.org/officeDocument/2006/relationships" xmlns:p="http://schemas.openxmlformats.org/presentationml/2006/main">
-  <p:cSld>
-    <p:spTree>
-      <p:nvGrpSpPr>
-        <p:cNvPr id="1" name=""/>
-        <p:cNvGrpSpPr/>
-        <p:nvPr/>
-      </p:nvGrpSpPr>
-      <p:grpSpPr>
-        <a:xfrm>
-          <a:off x="0" y="0"/>
-          <a:ext cx="0" cy="0"/>
-          <a:chOff x="0" y="0"/>
-          <a:chExt cx="0" cy="0"/>
-        </a:xfrm>
-      </p:grpSpPr>
-      <p:sp>
-        <p:nvSpPr>
-          <p:cNvPr id="2" name="Cím 1"/>
-          <p:cNvSpPr>
-            <a:spLocks noGrp="1"/>
-          </p:cNvSpPr>
-          <p:nvPr>
-            <p:ph type="title"/>
-          </p:nvPr>
-        </p:nvSpPr>
-        <p:spPr/>
-        <p:txBody>
-          <a:bodyPr/>
-          <a:lstStyle/>
-          <a:p>
-            <a:r>
-              <a:rPr lang="hu-HU" dirty="0" smtClean="0"/>
-              <a:t>Listonic</a:t>
-            </a:r>
-            <a:endParaRPr lang="en-US" dirty="0"/>
-          </a:p>
-        </p:txBody>
-      </p:sp>
-      <p:sp>
-        <p:nvSpPr>
-          <p:cNvPr id="3" name="Tartalom helye 2"/>
-          <p:cNvSpPr>
-            <a:spLocks noGrp="1"/>
-          </p:cNvSpPr>
-          <p:nvPr>
-            <p:ph idx="1"/>
-          </p:nvPr>
-        </p:nvSpPr>
-        <p:spPr/>
-        <p:txBody>
-          <a:bodyPr>
-            <a:normAutofit fontScale="92500" lnSpcReduction="20000"/>
-          </a:bodyPr>
-          <a:lstStyle/>
-          <a:p>
-            <a:r>
-              <a:rPr lang="hu-HU" dirty="0" smtClean="0"/>
-              <a:t>Lengyel fejlesztésű ingyenesen letölthető applikáció.</a:t>
-            </a:r>
-          </a:p>
-          <a:p>
-            <a:r>
-              <a:rPr lang="hu-HU" dirty="0" smtClean="0"/>
-              <a:t>Értékelése 4,7.</a:t>
-            </a:r>
-          </a:p>
-          <a:p>
-            <a:r>
-              <a:rPr lang="hu-HU" dirty="0" smtClean="0"/>
-              <a:t>Funkciók:</a:t>
-            </a:r>
-          </a:p>
-          <a:p>
-            <a:pPr lvl="1"/>
-            <a:r>
-              <a:rPr lang="hu-HU" dirty="0" smtClean="0"/>
-              <a:t>Belépéskor listákat láthatjuk előszőr. Több funkciót tudunk meg valósítani itt is. Új listákat hozhatunk létre, törölhetjük a meglévőket, módosíthatjuk őket, vagy akár duplikálhatjuk is.</a:t>
-            </a:r>
-          </a:p>
-          <a:p>
-            <a:pPr lvl="1"/>
-            <a:r>
-              <a:rPr lang="hu-HU" dirty="0" smtClean="0"/>
-              <a:t>Egy listát kiválasztva kattintással beleléphetünk. Itt láthatjuk a listába már felvitt termékeket. Adhatunk hozzá új terméket, ahol a nevét és mennyiségét adhatjuk meg, akár elemlistából is választhatunk. Ha már van termék a listában, azt módosíthatjuk, módosítás alatt adhatunk meg árat. Törölhetjük is a terméket a listából.</a:t>
-            </a:r>
-          </a:p>
-          <a:p>
-            <a:pPr lvl="1"/>
-            <a:r>
-              <a:rPr lang="hu-HU" dirty="0" smtClean="0"/>
-              <a:t> Ha megadjuk a termékek árát, akkor a lista alján megjelenik, hogy mennyibe fog kerülni összesen a lista tartalma. </a:t>
-            </a:r>
-          </a:p>
-          <a:p>
-            <a:pPr lvl="1"/>
-            <a:r>
-              <a:rPr lang="hu-HU" dirty="0" smtClean="0"/>
-              <a:t>Valamint ha valamit már megvásárlottunk akkor arra a termékre kattintva azt kipipálhatjuk innen tudhatjuk, hogy azt a terméket már a kosárba raktuk.</a:t>
-            </a:r>
-          </a:p>
-        </p:txBody>
-      </p:sp>
-      <p:pic>
-        <p:nvPicPr>
-          <p:cNvPr id="4" name="Kép 3"/>
-          <p:cNvPicPr>
-            <a:picLocks noChangeAspect="1"/>
-          </p:cNvPicPr>
-          <p:nvPr/>
-        </p:nvPicPr>
-        <p:blipFill>
-          <a:blip r:embed="rId2">
-            <a:extLst>
-              <a:ext uri="{28A0092B-C50C-407E-A947-70E740481C1C}">
-                <a14:useLocalDpi xmlns:a14="http://schemas.microsoft.com/office/drawing/2010/main" val="0"/>
-              </a:ext>
-            </a:extLst>
-          </a:blip>
-          <a:stretch>
-            <a:fillRect/>
-          </a:stretch>
-        </p:blipFill>
-        <p:spPr>
-          <a:xfrm>
-            <a:off x="8690880" y="253048"/>
-            <a:ext cx="1358973" cy="1358973"/>
-          </a:xfrm>
-          <a:prstGeom prst="rect">
-            <a:avLst/>
-          </a:prstGeom>
-        </p:spPr>
-      </p:pic>
-    </p:spTree>
-    <p:extLst>
-      <p:ext uri="{BB962C8B-B14F-4D97-AF65-F5344CB8AC3E}">
-        <p14:creationId xmlns:p14="http://schemas.microsoft.com/office/powerpoint/2010/main" val="2479485833"/>
-      </p:ext>
-    </p:extLst>
-  </p:cSld>
-  <p:clrMapOvr>
-    <a:masterClrMapping/>
-  </p:clrMapOvr>
-</p:sld>
-</file>
-
-<file path=ppt/slides/slide8.xml><?xml version="1.0" encoding="utf-8"?>
-<p:sld xmlns:a="http://schemas.openxmlformats.org/drawingml/2006/main" xmlns:r="http://schemas.openxmlformats.org/officeDocument/2006/relationships" xmlns:p="http://schemas.openxmlformats.org/presentationml/2006/main">
-  <p:cSld>
-    <p:spTree>
-      <p:nvGrpSpPr>
-        <p:cNvPr id="1" name=""/>
-        <p:cNvGrpSpPr/>
-        <p:nvPr/>
-      </p:nvGrpSpPr>
-      <p:grpSpPr>
-        <a:xfrm>
-          <a:off x="0" y="0"/>
-          <a:ext cx="0" cy="0"/>
-          <a:chOff x="0" y="0"/>
-          <a:chExt cx="0" cy="0"/>
-        </a:xfrm>
-      </p:grpSpPr>
-      <p:sp>
-        <p:nvSpPr>
-          <p:cNvPr id="2" name="Cím 1"/>
-          <p:cNvSpPr>
-            <a:spLocks noGrp="1"/>
-          </p:cNvSpPr>
-          <p:nvPr>
-            <p:ph type="title"/>
-          </p:nvPr>
-        </p:nvSpPr>
-        <p:spPr/>
-        <p:txBody>
-          <a:bodyPr/>
-          <a:lstStyle/>
-          <a:p>
-            <a:r>
-              <a:rPr lang="hu-HU" dirty="0" err="1" smtClean="0"/>
-              <a:t>Super</a:t>
-            </a:r>
-            <a:r>
-              <a:rPr lang="hu-HU" dirty="0" smtClean="0"/>
-              <a:t> </a:t>
-            </a:r>
-            <a:r>
-              <a:rPr lang="hu-HU" dirty="0" err="1" smtClean="0"/>
-              <a:t>Simple</a:t>
-            </a:r>
-            <a:endParaRPr lang="en-US" dirty="0"/>
-          </a:p>
-        </p:txBody>
-      </p:sp>
-      <p:sp>
-        <p:nvSpPr>
-          <p:cNvPr id="3" name="Tartalom helye 2"/>
-          <p:cNvSpPr>
-            <a:spLocks noGrp="1"/>
-          </p:cNvSpPr>
-          <p:nvPr>
-            <p:ph idx="1"/>
-          </p:nvPr>
-        </p:nvSpPr>
-        <p:spPr>
-          <a:xfrm>
-            <a:off x="1103312" y="2052918"/>
-            <a:ext cx="8946541" cy="4195481"/>
-          </a:xfrm>
-        </p:spPr>
-        <p:txBody>
-          <a:bodyPr>
-            <a:normAutofit lnSpcReduction="10000"/>
-          </a:bodyPr>
-          <a:lstStyle/>
-          <a:p>
-            <a:r>
-              <a:rPr lang="hu-HU" dirty="0" smtClean="0"/>
-              <a:t>Kanadai fejlesztésű szinté ingyenes applikáció.</a:t>
-            </a:r>
-          </a:p>
-          <a:p>
-            <a:r>
-              <a:rPr lang="hu-HU" dirty="0" smtClean="0"/>
-              <a:t>Értékelése 4.</a:t>
-            </a:r>
-          </a:p>
-          <a:p>
-            <a:r>
-              <a:rPr lang="hu-HU" dirty="0" smtClean="0"/>
-              <a:t>Funkciók:</a:t>
-            </a:r>
-          </a:p>
-          <a:p>
-            <a:pPr lvl="1"/>
-            <a:r>
-              <a:rPr lang="hu-HU" dirty="0" smtClean="0"/>
-              <a:t>Ebben az applikációban más a nézet forma. Nincsen külön listáknak nézet és a lista nézet, hanem lenyitható listák vannak. </a:t>
-            </a:r>
-            <a:endParaRPr lang="hu-HU" dirty="0"/>
-          </a:p>
-          <a:p>
-            <a:pPr lvl="1"/>
-            <a:r>
-              <a:rPr lang="hu-HU" dirty="0" smtClean="0"/>
-              <a:t>Főként csak termékeket tudunk hozzá adni, a termék nevének megadásakor egy színt kell választanunk és az alapján kerül bele listába a termékünk. </a:t>
-            </a:r>
-          </a:p>
-          <a:p>
-            <a:pPr lvl="1"/>
-            <a:r>
-              <a:rPr lang="hu-HU" dirty="0" smtClean="0"/>
-              <a:t>A termékeket tudjuk módosítani, itt tudjuk az árat és a mennyiséget is megadni, valamint törölni tudjuk a termékeket. </a:t>
-            </a:r>
-          </a:p>
-          <a:p>
-            <a:pPr lvl="1"/>
-            <a:r>
-              <a:rPr lang="hu-HU" dirty="0" smtClean="0"/>
-              <a:t>Ha egy terméket meg vásároltunk arra rá kattintva kihúzásra kerül és innen tudhatjuk, hogy már a kosarunkban van.</a:t>
-            </a:r>
-            <a:endParaRPr lang="en-US" dirty="0"/>
-          </a:p>
-        </p:txBody>
-      </p:sp>
-      <p:pic>
-        <p:nvPicPr>
-          <p:cNvPr id="4" name="Kép 3"/>
-          <p:cNvPicPr>
-            <a:picLocks noChangeAspect="1"/>
-          </p:cNvPicPr>
-          <p:nvPr/>
-        </p:nvPicPr>
-        <p:blipFill>
-          <a:blip r:embed="rId2">
-            <a:extLst>
-              <a:ext uri="{28A0092B-C50C-407E-A947-70E740481C1C}">
-                <a14:useLocalDpi xmlns:a14="http://schemas.microsoft.com/office/drawing/2010/main" val="0"/>
-              </a:ext>
-            </a:extLst>
-          </a:blip>
-          <a:stretch>
-            <a:fillRect/>
-          </a:stretch>
-        </p:blipFill>
-        <p:spPr>
-          <a:xfrm>
-            <a:off x="8790173" y="452718"/>
-            <a:ext cx="1259680" cy="1259680"/>
-          </a:xfrm>
-          <a:prstGeom prst="rect">
-            <a:avLst/>
-          </a:prstGeom>
-        </p:spPr>
-      </p:pic>
-    </p:spTree>
-    <p:extLst>
-      <p:ext uri="{BB962C8B-B14F-4D97-AF65-F5344CB8AC3E}">
-        <p14:creationId xmlns:p14="http://schemas.microsoft.com/office/powerpoint/2010/main" val="613907253"/>
-      </p:ext>
-    </p:extLst>
-  </p:cSld>
-  <p:clrMapOvr>
-    <a:masterClrMapping/>
-  </p:clrMapOvr>
-</p:sld>
-</file>
-
-<file path=ppt/slides/slide9.xml><?xml version="1.0" encoding="utf-8"?>
-<p:sld xmlns:a="http://schemas.openxmlformats.org/drawingml/2006/main" xmlns:r="http://schemas.openxmlformats.org/officeDocument/2006/relationships" xmlns:p="http://schemas.openxmlformats.org/presentationml/2006/main">
-  <p:cSld>
-    <p:spTree>
-      <p:nvGrpSpPr>
-        <p:cNvPr id="1" name=""/>
-        <p:cNvGrpSpPr/>
-        <p:nvPr/>
-      </p:nvGrpSpPr>
-      <p:grpSpPr>
-        <a:xfrm>
-          <a:off x="0" y="0"/>
-          <a:ext cx="0" cy="0"/>
-          <a:chOff x="0" y="0"/>
-          <a:chExt cx="0" cy="0"/>
-        </a:xfrm>
-      </p:grpSpPr>
-      <p:sp>
-        <p:nvSpPr>
-          <p:cNvPr id="2" name="Cím 1"/>
-          <p:cNvSpPr>
-            <a:spLocks noGrp="1"/>
-          </p:cNvSpPr>
-          <p:nvPr>
-            <p:ph type="title"/>
-          </p:nvPr>
-        </p:nvSpPr>
-        <p:spPr/>
-        <p:txBody>
-          <a:bodyPr/>
-          <a:lstStyle/>
-          <a:p>
-            <a:r>
-              <a:rPr lang="hu-HU" dirty="0" smtClean="0"/>
-              <a:t>Funkciók</a:t>
-            </a:r>
-            <a:endParaRPr lang="en-US" dirty="0"/>
-          </a:p>
-        </p:txBody>
-      </p:sp>
-      <p:sp>
-        <p:nvSpPr>
-          <p:cNvPr id="3" name="Tartalom helye 2"/>
-          <p:cNvSpPr>
-            <a:spLocks noGrp="1"/>
-          </p:cNvSpPr>
-          <p:nvPr>
-            <p:ph idx="1"/>
-          </p:nvPr>
-        </p:nvSpPr>
-        <p:spPr>
-          <a:xfrm>
-            <a:off x="1408112" y="2036876"/>
-            <a:ext cx="8946541" cy="4195481"/>
-          </a:xfrm>
-        </p:spPr>
-        <p:txBody>
-          <a:bodyPr/>
-          <a:lstStyle/>
-          <a:p>
-            <a:r>
-              <a:rPr lang="hu-HU" dirty="0" smtClean="0"/>
-              <a:t>Funkciók tekintetében két fele tervezzük választani a feladatot. Egy részt a listák kezelés, másrészt a termékeke kezelése a cél. </a:t>
-            </a:r>
-          </a:p>
-          <a:p>
-            <a:pPr marL="0" indent="0">
-              <a:buNone/>
-            </a:pPr>
-            <a:endParaRPr lang="en-US" dirty="0"/>
-          </a:p>
-        </p:txBody>
-      </p:sp>
-      <p:pic>
-        <p:nvPicPr>
-          <p:cNvPr id="4" name="Kép 3"/>
-          <p:cNvPicPr>
-            <a:picLocks noChangeAspect="1"/>
-          </p:cNvPicPr>
-          <p:nvPr/>
-        </p:nvPicPr>
-        <p:blipFill>
-          <a:blip r:embed="rId2"/>
-          <a:stretch>
-            <a:fillRect/>
-          </a:stretch>
-        </p:blipFill>
-        <p:spPr>
-          <a:xfrm>
-            <a:off x="1952516" y="3048001"/>
-            <a:ext cx="7353638" cy="3449052"/>
-          </a:xfrm>
-          <a:prstGeom prst="rect">
-            <a:avLst/>
-          </a:prstGeom>
-        </p:spPr>
-      </p:pic>
-    </p:spTree>
-    <p:extLst>
-      <p:ext uri="{BB962C8B-B14F-4D97-AF65-F5344CB8AC3E}">
-        <p14:creationId xmlns:p14="http://schemas.microsoft.com/office/powerpoint/2010/main" val="369484014"/>
       </p:ext>
     </p:extLst>
   </p:cSld>
